--- a/Reports/Conceptual Design_Draft.pptx
+++ b/Reports/Conceptual Design_Draft.pptx
@@ -6,9 +6,9 @@
   </p:sldMasterIdLst>
   <p:sldIdLst>
     <p:sldId id="256" r:id="rId2"/>
-    <p:sldId id="263" r:id="rId3"/>
-    <p:sldId id="257" r:id="rId4"/>
-    <p:sldId id="258" r:id="rId5"/>
+    <p:sldId id="264" r:id="rId3"/>
+    <p:sldId id="263" r:id="rId4"/>
+    <p:sldId id="257" r:id="rId5"/>
     <p:sldId id="259" r:id="rId6"/>
     <p:sldId id="260" r:id="rId7"/>
     <p:sldId id="261" r:id="rId8"/>
@@ -117,6 +117,849 @@
     </p:ext>
   </p:extLst>
 </p:presentation>
+</file>
+
+<file path=ppt/ink/ink1.xml><?xml version="1.0" encoding="utf-8"?>
+<inkml:ink xmlns:inkml="http://www.w3.org/2003/InkML">
+  <inkml:definitions>
+    <inkml:context xml:id="ctx0">
+      <inkml:inkSource xml:id="inkSrc0">
+        <inkml:traceFormat>
+          <inkml:channel name="X" type="integer" min="-2.14748E9" max="2.14748E9" units="cm"/>
+          <inkml:channel name="Y" type="integer" min="-2.14748E9" max="2.14748E9" units="cm"/>
+          <inkml:channel name="F" type="integer" max="32767" units="dev"/>
+        </inkml:traceFormat>
+        <inkml:channelProperties>
+          <inkml:channelProperty channel="X" name="resolution" value="1000" units="1/cm"/>
+          <inkml:channelProperty channel="Y" name="resolution" value="1000" units="1/cm"/>
+          <inkml:channelProperty channel="F" name="resolution" value="0" units="1/dev"/>
+        </inkml:channelProperties>
+      </inkml:inkSource>
+      <inkml:timestamp xml:id="ts0" timeString="2022-10-19T16:25:03.432"/>
+    </inkml:context>
+    <inkml:brush xml:id="br0">
+      <inkml:brushProperty name="width" value="0.025" units="cm"/>
+      <inkml:brushProperty name="height" value="0.025" units="cm"/>
+    </inkml:brush>
+  </inkml:definitions>
+  <inkml:trace contextRef="#ctx0" brushRef="#br0">0 0 24575</inkml:trace>
+</inkml:ink>
+</file>
+
+<file path=ppt/ink/ink10.xml><?xml version="1.0" encoding="utf-8"?>
+<inkml:ink xmlns:inkml="http://www.w3.org/2003/InkML">
+  <inkml:definitions>
+    <inkml:context xml:id="ctx0">
+      <inkml:inkSource xml:id="inkSrc0">
+        <inkml:traceFormat>
+          <inkml:channel name="X" type="integer" min="-2.14748E9" max="2.14748E9" units="cm"/>
+          <inkml:channel name="Y" type="integer" min="-2.14748E9" max="2.14748E9" units="cm"/>
+          <inkml:channel name="F" type="integer" max="32767" units="dev"/>
+        </inkml:traceFormat>
+        <inkml:channelProperties>
+          <inkml:channelProperty channel="X" name="resolution" value="1000" units="1/cm"/>
+          <inkml:channelProperty channel="Y" name="resolution" value="1000" units="1/cm"/>
+          <inkml:channelProperty channel="F" name="resolution" value="0" units="1/dev"/>
+        </inkml:channelProperties>
+      </inkml:inkSource>
+      <inkml:timestamp xml:id="ts0" timeString="2022-10-19T16:25:11.035"/>
+    </inkml:context>
+    <inkml:brush xml:id="br0">
+      <inkml:brushProperty name="width" value="0.025" units="cm"/>
+      <inkml:brushProperty name="height" value="0.025" units="cm"/>
+    </inkml:brush>
+  </inkml:definitions>
+  <inkml:trace contextRef="#ctx0" brushRef="#br0">0 0 24575</inkml:trace>
+</inkml:ink>
+</file>
+
+<file path=ppt/ink/ink11.xml><?xml version="1.0" encoding="utf-8"?>
+<inkml:ink xmlns:inkml="http://www.w3.org/2003/InkML">
+  <inkml:definitions>
+    <inkml:context xml:id="ctx0">
+      <inkml:inkSource xml:id="inkSrc0">
+        <inkml:traceFormat>
+          <inkml:channel name="X" type="integer" min="-2.14748E9" max="2.14748E9" units="cm"/>
+          <inkml:channel name="Y" type="integer" min="-2.14748E9" max="2.14748E9" units="cm"/>
+          <inkml:channel name="F" type="integer" max="32767" units="dev"/>
+        </inkml:traceFormat>
+        <inkml:channelProperties>
+          <inkml:channelProperty channel="X" name="resolution" value="1000" units="1/cm"/>
+          <inkml:channelProperty channel="Y" name="resolution" value="1000" units="1/cm"/>
+          <inkml:channelProperty channel="F" name="resolution" value="0" units="1/dev"/>
+        </inkml:channelProperties>
+      </inkml:inkSource>
+      <inkml:timestamp xml:id="ts0" timeString="2022-10-19T16:25:11.364"/>
+    </inkml:context>
+    <inkml:brush xml:id="br0">
+      <inkml:brushProperty name="width" value="0.025" units="cm"/>
+      <inkml:brushProperty name="height" value="0.025" units="cm"/>
+    </inkml:brush>
+  </inkml:definitions>
+  <inkml:trace contextRef="#ctx0" brushRef="#br0">0 0 24575</inkml:trace>
+</inkml:ink>
+</file>
+
+<file path=ppt/ink/ink12.xml><?xml version="1.0" encoding="utf-8"?>
+<inkml:ink xmlns:inkml="http://www.w3.org/2003/InkML">
+  <inkml:definitions>
+    <inkml:context xml:id="ctx0">
+      <inkml:inkSource xml:id="inkSrc0">
+        <inkml:traceFormat>
+          <inkml:channel name="X" type="integer" min="-2.14748E9" max="2.14748E9" units="cm"/>
+          <inkml:channel name="Y" type="integer" min="-2.14748E9" max="2.14748E9" units="cm"/>
+          <inkml:channel name="F" type="integer" max="32767" units="dev"/>
+        </inkml:traceFormat>
+        <inkml:channelProperties>
+          <inkml:channelProperty channel="X" name="resolution" value="1000" units="1/cm"/>
+          <inkml:channelProperty channel="Y" name="resolution" value="1000" units="1/cm"/>
+          <inkml:channelProperty channel="F" name="resolution" value="0" units="1/dev"/>
+        </inkml:channelProperties>
+      </inkml:inkSource>
+      <inkml:timestamp xml:id="ts0" timeString="2022-10-19T16:25:11.707"/>
+    </inkml:context>
+    <inkml:brush xml:id="br0">
+      <inkml:brushProperty name="width" value="0.025" units="cm"/>
+      <inkml:brushProperty name="height" value="0.025" units="cm"/>
+    </inkml:brush>
+  </inkml:definitions>
+  <inkml:trace contextRef="#ctx0" brushRef="#br0">1 1 24575</inkml:trace>
+</inkml:ink>
+</file>
+
+<file path=ppt/ink/ink13.xml><?xml version="1.0" encoding="utf-8"?>
+<inkml:ink xmlns:inkml="http://www.w3.org/2003/InkML">
+  <inkml:definitions>
+    <inkml:context xml:id="ctx0">
+      <inkml:inkSource xml:id="inkSrc0">
+        <inkml:traceFormat>
+          <inkml:channel name="X" type="integer" min="-2.14748E9" max="2.14748E9" units="cm"/>
+          <inkml:channel name="Y" type="integer" min="-2.14748E9" max="2.14748E9" units="cm"/>
+          <inkml:channel name="F" type="integer" max="32767" units="dev"/>
+        </inkml:traceFormat>
+        <inkml:channelProperties>
+          <inkml:channelProperty channel="X" name="resolution" value="1000" units="1/cm"/>
+          <inkml:channelProperty channel="Y" name="resolution" value="1000" units="1/cm"/>
+          <inkml:channelProperty channel="F" name="resolution" value="0" units="1/dev"/>
+        </inkml:channelProperties>
+      </inkml:inkSource>
+      <inkml:timestamp xml:id="ts0" timeString="2022-10-19T16:25:12.067"/>
+    </inkml:context>
+    <inkml:brush xml:id="br0">
+      <inkml:brushProperty name="width" value="0.025" units="cm"/>
+      <inkml:brushProperty name="height" value="0.025" units="cm"/>
+    </inkml:brush>
+  </inkml:definitions>
+  <inkml:trace contextRef="#ctx0" brushRef="#br0">1 1 24575</inkml:trace>
+</inkml:ink>
+</file>
+
+<file path=ppt/ink/ink14.xml><?xml version="1.0" encoding="utf-8"?>
+<inkml:ink xmlns:inkml="http://www.w3.org/2003/InkML">
+  <inkml:definitions>
+    <inkml:context xml:id="ctx0">
+      <inkml:inkSource xml:id="inkSrc0">
+        <inkml:traceFormat>
+          <inkml:channel name="X" type="integer" min="-2.14748E9" max="2.14748E9" units="cm"/>
+          <inkml:channel name="Y" type="integer" min="-2.14748E9" max="2.14748E9" units="cm"/>
+          <inkml:channel name="F" type="integer" max="32767" units="dev"/>
+        </inkml:traceFormat>
+        <inkml:channelProperties>
+          <inkml:channelProperty channel="X" name="resolution" value="1000" units="1/cm"/>
+          <inkml:channelProperty channel="Y" name="resolution" value="1000" units="1/cm"/>
+          <inkml:channelProperty channel="F" name="resolution" value="0" units="1/dev"/>
+        </inkml:channelProperties>
+      </inkml:inkSource>
+      <inkml:timestamp xml:id="ts0" timeString="2022-10-19T16:25:12.410"/>
+    </inkml:context>
+    <inkml:brush xml:id="br0">
+      <inkml:brushProperty name="width" value="0.025" units="cm"/>
+      <inkml:brushProperty name="height" value="0.025" units="cm"/>
+    </inkml:brush>
+  </inkml:definitions>
+  <inkml:trace contextRef="#ctx0" brushRef="#br0">1 1 24575</inkml:trace>
+</inkml:ink>
+</file>
+
+<file path=ppt/ink/ink15.xml><?xml version="1.0" encoding="utf-8"?>
+<inkml:ink xmlns:inkml="http://www.w3.org/2003/InkML">
+  <inkml:definitions>
+    <inkml:context xml:id="ctx0">
+      <inkml:inkSource xml:id="inkSrc0">
+        <inkml:traceFormat>
+          <inkml:channel name="X" type="integer" min="-2.14748E9" max="2.14748E9" units="cm"/>
+          <inkml:channel name="Y" type="integer" min="-2.14748E9" max="2.14748E9" units="cm"/>
+          <inkml:channel name="F" type="integer" max="32767" units="dev"/>
+        </inkml:traceFormat>
+        <inkml:channelProperties>
+          <inkml:channelProperty channel="X" name="resolution" value="1000" units="1/cm"/>
+          <inkml:channelProperty channel="Y" name="resolution" value="1000" units="1/cm"/>
+          <inkml:channelProperty channel="F" name="resolution" value="0" units="1/dev"/>
+        </inkml:channelProperties>
+      </inkml:inkSource>
+      <inkml:timestamp xml:id="ts0" timeString="2022-10-19T16:25:12.833"/>
+    </inkml:context>
+    <inkml:brush xml:id="br0">
+      <inkml:brushProperty name="width" value="0.025" units="cm"/>
+      <inkml:brushProperty name="height" value="0.025" units="cm"/>
+    </inkml:brush>
+  </inkml:definitions>
+  <inkml:trace contextRef="#ctx0" brushRef="#br0">1 1 24575</inkml:trace>
+</inkml:ink>
+</file>
+
+<file path=ppt/ink/ink16.xml><?xml version="1.0" encoding="utf-8"?>
+<inkml:ink xmlns:inkml="http://www.w3.org/2003/InkML">
+  <inkml:definitions>
+    <inkml:context xml:id="ctx0">
+      <inkml:inkSource xml:id="inkSrc0">
+        <inkml:traceFormat>
+          <inkml:channel name="X" type="integer" min="-2.14748E9" max="2.14748E9" units="cm"/>
+          <inkml:channel name="Y" type="integer" min="-2.14748E9" max="2.14748E9" units="cm"/>
+          <inkml:channel name="F" type="integer" max="32767" units="dev"/>
+        </inkml:traceFormat>
+        <inkml:channelProperties>
+          <inkml:channelProperty channel="X" name="resolution" value="1000" units="1/cm"/>
+          <inkml:channelProperty channel="Y" name="resolution" value="1000" units="1/cm"/>
+          <inkml:channelProperty channel="F" name="resolution" value="0" units="1/dev"/>
+        </inkml:channelProperties>
+      </inkml:inkSource>
+      <inkml:timestamp xml:id="ts0" timeString="2022-10-19T16:25:13.161"/>
+    </inkml:context>
+    <inkml:brush xml:id="br0">
+      <inkml:brushProperty name="width" value="0.025" units="cm"/>
+      <inkml:brushProperty name="height" value="0.025" units="cm"/>
+    </inkml:brush>
+  </inkml:definitions>
+  <inkml:trace contextRef="#ctx0" brushRef="#br0">1 1 24575</inkml:trace>
+  <inkml:trace contextRef="#ctx0" brushRef="#br0" timeOffset="1">1 1 24575</inkml:trace>
+</inkml:ink>
+</file>
+
+<file path=ppt/ink/ink17.xml><?xml version="1.0" encoding="utf-8"?>
+<inkml:ink xmlns:inkml="http://www.w3.org/2003/InkML">
+  <inkml:definitions>
+    <inkml:context xml:id="ctx0">
+      <inkml:inkSource xml:id="inkSrc0">
+        <inkml:traceFormat>
+          <inkml:channel name="X" type="integer" min="-2.14748E9" max="2.14748E9" units="cm"/>
+          <inkml:channel name="Y" type="integer" min="-2.14748E9" max="2.14748E9" units="cm"/>
+          <inkml:channel name="F" type="integer" max="32767" units="dev"/>
+        </inkml:traceFormat>
+        <inkml:channelProperties>
+          <inkml:channelProperty channel="X" name="resolution" value="1000" units="1/cm"/>
+          <inkml:channelProperty channel="Y" name="resolution" value="1000" units="1/cm"/>
+          <inkml:channelProperty channel="F" name="resolution" value="0" units="1/dev"/>
+        </inkml:channelProperties>
+      </inkml:inkSource>
+      <inkml:timestamp xml:id="ts0" timeString="2022-10-19T16:25:13.493"/>
+    </inkml:context>
+    <inkml:brush xml:id="br0">
+      <inkml:brushProperty name="width" value="0.025" units="cm"/>
+      <inkml:brushProperty name="height" value="0.025" units="cm"/>
+    </inkml:brush>
+  </inkml:definitions>
+  <inkml:trace contextRef="#ctx0" brushRef="#br0">1 1 24575</inkml:trace>
+  <inkml:trace contextRef="#ctx0" brushRef="#br0" timeOffset="1">1 1 24575</inkml:trace>
+</inkml:ink>
+</file>
+
+<file path=ppt/ink/ink18.xml><?xml version="1.0" encoding="utf-8"?>
+<inkml:ink xmlns:inkml="http://www.w3.org/2003/InkML">
+  <inkml:definitions>
+    <inkml:context xml:id="ctx0">
+      <inkml:inkSource xml:id="inkSrc0">
+        <inkml:traceFormat>
+          <inkml:channel name="X" type="integer" min="-2.14748E9" max="2.14748E9" units="cm"/>
+          <inkml:channel name="Y" type="integer" min="-2.14748E9" max="2.14748E9" units="cm"/>
+          <inkml:channel name="F" type="integer" max="32767" units="dev"/>
+        </inkml:traceFormat>
+        <inkml:channelProperties>
+          <inkml:channelProperty channel="X" name="resolution" value="1000" units="1/cm"/>
+          <inkml:channelProperty channel="Y" name="resolution" value="1000" units="1/cm"/>
+          <inkml:channelProperty channel="F" name="resolution" value="0" units="1/dev"/>
+        </inkml:channelProperties>
+      </inkml:inkSource>
+      <inkml:timestamp xml:id="ts0" timeString="2022-10-19T16:25:14.445"/>
+    </inkml:context>
+    <inkml:brush xml:id="br0">
+      <inkml:brushProperty name="width" value="0.025" units="cm"/>
+      <inkml:brushProperty name="height" value="0.025" units="cm"/>
+    </inkml:brush>
+  </inkml:definitions>
+  <inkml:trace contextRef="#ctx0" brushRef="#br0">1 0 24575</inkml:trace>
+</inkml:ink>
+</file>
+
+<file path=ppt/ink/ink19.xml><?xml version="1.0" encoding="utf-8"?>
+<inkml:ink xmlns:inkml="http://www.w3.org/2003/InkML">
+  <inkml:definitions>
+    <inkml:context xml:id="ctx0">
+      <inkml:inkSource xml:id="inkSrc0">
+        <inkml:traceFormat>
+          <inkml:channel name="X" type="integer" min="-2.14748E9" max="2.14748E9" units="cm"/>
+          <inkml:channel name="Y" type="integer" min="-2.14748E9" max="2.14748E9" units="cm"/>
+          <inkml:channel name="F" type="integer" max="32767" units="dev"/>
+        </inkml:traceFormat>
+        <inkml:channelProperties>
+          <inkml:channelProperty channel="X" name="resolution" value="1000" units="1/cm"/>
+          <inkml:channelProperty channel="Y" name="resolution" value="1000" units="1/cm"/>
+          <inkml:channelProperty channel="F" name="resolution" value="0" units="1/dev"/>
+        </inkml:channelProperties>
+      </inkml:inkSource>
+      <inkml:timestamp xml:id="ts0" timeString="2022-10-19T16:25:17.369"/>
+    </inkml:context>
+    <inkml:brush xml:id="br0">
+      <inkml:brushProperty name="width" value="0.025" units="cm"/>
+      <inkml:brushProperty name="height" value="0.025" units="cm"/>
+    </inkml:brush>
+  </inkml:definitions>
+  <inkml:trace contextRef="#ctx0" brushRef="#br0">1 0 24575</inkml:trace>
+</inkml:ink>
+</file>
+
+<file path=ppt/ink/ink2.xml><?xml version="1.0" encoding="utf-8"?>
+<inkml:ink xmlns:inkml="http://www.w3.org/2003/InkML">
+  <inkml:definitions>
+    <inkml:context xml:id="ctx0">
+      <inkml:inkSource xml:id="inkSrc0">
+        <inkml:traceFormat>
+          <inkml:channel name="X" type="integer" min="-2.14748E9" max="2.14748E9" units="cm"/>
+          <inkml:channel name="Y" type="integer" min="-2.14748E9" max="2.14748E9" units="cm"/>
+          <inkml:channel name="F" type="integer" max="32767" units="dev"/>
+        </inkml:traceFormat>
+        <inkml:channelProperties>
+          <inkml:channelProperty channel="X" name="resolution" value="1000" units="1/cm"/>
+          <inkml:channelProperty channel="Y" name="resolution" value="1000" units="1/cm"/>
+          <inkml:channelProperty channel="F" name="resolution" value="0" units="1/dev"/>
+        </inkml:channelProperties>
+      </inkml:inkSource>
+      <inkml:timestamp xml:id="ts0" timeString="2022-10-19T16:25:05.714"/>
+    </inkml:context>
+    <inkml:brush xml:id="br0">
+      <inkml:brushProperty name="width" value="0.025" units="cm"/>
+      <inkml:brushProperty name="height" value="0.025" units="cm"/>
+    </inkml:brush>
+  </inkml:definitions>
+  <inkml:trace contextRef="#ctx0" brushRef="#br0">1 0 24575</inkml:trace>
+</inkml:ink>
+</file>
+
+<file path=ppt/ink/ink20.xml><?xml version="1.0" encoding="utf-8"?>
+<inkml:ink xmlns:inkml="http://www.w3.org/2003/InkML">
+  <inkml:definitions>
+    <inkml:context xml:id="ctx0">
+      <inkml:inkSource xml:id="inkSrc0">
+        <inkml:traceFormat>
+          <inkml:channel name="X" type="integer" min="-2.14748E9" max="2.14748E9" units="cm"/>
+          <inkml:channel name="Y" type="integer" min="-2.14748E9" max="2.14748E9" units="cm"/>
+          <inkml:channel name="F" type="integer" max="32767" units="dev"/>
+        </inkml:traceFormat>
+        <inkml:channelProperties>
+          <inkml:channelProperty channel="X" name="resolution" value="1000" units="1/cm"/>
+          <inkml:channelProperty channel="Y" name="resolution" value="1000" units="1/cm"/>
+          <inkml:channelProperty channel="F" name="resolution" value="0" units="1/dev"/>
+        </inkml:channelProperties>
+      </inkml:inkSource>
+      <inkml:timestamp xml:id="ts0" timeString="2022-10-19T16:25:17.774"/>
+    </inkml:context>
+    <inkml:brush xml:id="br0">
+      <inkml:brushProperty name="width" value="0.025" units="cm"/>
+      <inkml:brushProperty name="height" value="0.025" units="cm"/>
+    </inkml:brush>
+  </inkml:definitions>
+  <inkml:trace contextRef="#ctx0" brushRef="#br0">0 1 24575</inkml:trace>
+</inkml:ink>
+</file>
+
+<file path=ppt/ink/ink21.xml><?xml version="1.0" encoding="utf-8"?>
+<inkml:ink xmlns:inkml="http://www.w3.org/2003/InkML">
+  <inkml:definitions>
+    <inkml:context xml:id="ctx0">
+      <inkml:inkSource xml:id="inkSrc0">
+        <inkml:traceFormat>
+          <inkml:channel name="X" type="integer" min="-2.14748E9" max="2.14748E9" units="cm"/>
+          <inkml:channel name="Y" type="integer" min="-2.14748E9" max="2.14748E9" units="cm"/>
+          <inkml:channel name="F" type="integer" max="32767" units="dev"/>
+        </inkml:traceFormat>
+        <inkml:channelProperties>
+          <inkml:channelProperty channel="X" name="resolution" value="1000" units="1/cm"/>
+          <inkml:channelProperty channel="Y" name="resolution" value="1000" units="1/cm"/>
+          <inkml:channelProperty channel="F" name="resolution" value="0" units="1/dev"/>
+        </inkml:channelProperties>
+      </inkml:inkSource>
+      <inkml:timestamp xml:id="ts0" timeString="2022-10-19T16:25:18.134"/>
+    </inkml:context>
+    <inkml:brush xml:id="br0">
+      <inkml:brushProperty name="width" value="0.025" units="cm"/>
+      <inkml:brushProperty name="height" value="0.025" units="cm"/>
+    </inkml:brush>
+  </inkml:definitions>
+  <inkml:trace contextRef="#ctx0" brushRef="#br0">0 1 24575</inkml:trace>
+</inkml:ink>
+</file>
+
+<file path=ppt/ink/ink22.xml><?xml version="1.0" encoding="utf-8"?>
+<inkml:ink xmlns:inkml="http://www.w3.org/2003/InkML">
+  <inkml:definitions>
+    <inkml:context xml:id="ctx0">
+      <inkml:inkSource xml:id="inkSrc0">
+        <inkml:traceFormat>
+          <inkml:channel name="X" type="integer" min="-2.14748E9" max="2.14748E9" units="cm"/>
+          <inkml:channel name="Y" type="integer" min="-2.14748E9" max="2.14748E9" units="cm"/>
+          <inkml:channel name="F" type="integer" max="32767" units="dev"/>
+        </inkml:traceFormat>
+        <inkml:channelProperties>
+          <inkml:channelProperty channel="X" name="resolution" value="1000" units="1/cm"/>
+          <inkml:channelProperty channel="Y" name="resolution" value="1000" units="1/cm"/>
+          <inkml:channelProperty channel="F" name="resolution" value="0" units="1/dev"/>
+        </inkml:channelProperties>
+      </inkml:inkSource>
+      <inkml:timestamp xml:id="ts0" timeString="2022-10-19T16:25:18.462"/>
+    </inkml:context>
+    <inkml:brush xml:id="br0">
+      <inkml:brushProperty name="width" value="0.025" units="cm"/>
+      <inkml:brushProperty name="height" value="0.025" units="cm"/>
+    </inkml:brush>
+  </inkml:definitions>
+  <inkml:trace contextRef="#ctx0" brushRef="#br0">0 0 24575</inkml:trace>
+</inkml:ink>
+</file>
+
+<file path=ppt/ink/ink23.xml><?xml version="1.0" encoding="utf-8"?>
+<inkml:ink xmlns:inkml="http://www.w3.org/2003/InkML">
+  <inkml:definitions>
+    <inkml:context xml:id="ctx0">
+      <inkml:inkSource xml:id="inkSrc0">
+        <inkml:traceFormat>
+          <inkml:channel name="X" type="integer" min="-2.14748E9" max="2.14748E9" units="cm"/>
+          <inkml:channel name="Y" type="integer" min="-2.14748E9" max="2.14748E9" units="cm"/>
+          <inkml:channel name="F" type="integer" max="32767" units="dev"/>
+        </inkml:traceFormat>
+        <inkml:channelProperties>
+          <inkml:channelProperty channel="X" name="resolution" value="1000" units="1/cm"/>
+          <inkml:channelProperty channel="Y" name="resolution" value="1000" units="1/cm"/>
+          <inkml:channelProperty channel="F" name="resolution" value="0" units="1/dev"/>
+        </inkml:channelProperties>
+      </inkml:inkSource>
+      <inkml:timestamp xml:id="ts0" timeString="2022-10-19T16:25:18.791"/>
+    </inkml:context>
+    <inkml:brush xml:id="br0">
+      <inkml:brushProperty name="width" value="0.025" units="cm"/>
+      <inkml:brushProperty name="height" value="0.025" units="cm"/>
+    </inkml:brush>
+  </inkml:definitions>
+  <inkml:trace contextRef="#ctx0" brushRef="#br0">0 0 24575</inkml:trace>
+</inkml:ink>
+</file>
+
+<file path=ppt/ink/ink24.xml><?xml version="1.0" encoding="utf-8"?>
+<inkml:ink xmlns:inkml="http://www.w3.org/2003/InkML">
+  <inkml:definitions>
+    <inkml:context xml:id="ctx0">
+      <inkml:inkSource xml:id="inkSrc0">
+        <inkml:traceFormat>
+          <inkml:channel name="X" type="integer" min="-2.14748E9" max="2.14748E9" units="cm"/>
+          <inkml:channel name="Y" type="integer" min="-2.14748E9" max="2.14748E9" units="cm"/>
+          <inkml:channel name="F" type="integer" max="32767" units="dev"/>
+        </inkml:traceFormat>
+        <inkml:channelProperties>
+          <inkml:channelProperty channel="X" name="resolution" value="1000" units="1/cm"/>
+          <inkml:channelProperty channel="Y" name="resolution" value="1000" units="1/cm"/>
+          <inkml:channelProperty channel="F" name="resolution" value="0" units="1/dev"/>
+        </inkml:channelProperties>
+      </inkml:inkSource>
+      <inkml:timestamp xml:id="ts0" timeString="2022-10-19T16:25:19.150"/>
+    </inkml:context>
+    <inkml:brush xml:id="br0">
+      <inkml:brushProperty name="width" value="0.025" units="cm"/>
+      <inkml:brushProperty name="height" value="0.025" units="cm"/>
+    </inkml:brush>
+  </inkml:definitions>
+  <inkml:trace contextRef="#ctx0" brushRef="#br0">0 0 24575</inkml:trace>
+  <inkml:trace contextRef="#ctx0" brushRef="#br0" timeOffset="1">0 0 24575</inkml:trace>
+</inkml:ink>
+</file>
+
+<file path=ppt/ink/ink25.xml><?xml version="1.0" encoding="utf-8"?>
+<inkml:ink xmlns:inkml="http://www.w3.org/2003/InkML">
+  <inkml:definitions>
+    <inkml:context xml:id="ctx0">
+      <inkml:inkSource xml:id="inkSrc0">
+        <inkml:traceFormat>
+          <inkml:channel name="X" type="integer" min="-2.14748E9" max="2.14748E9" units="cm"/>
+          <inkml:channel name="Y" type="integer" min="-2.14748E9" max="2.14748E9" units="cm"/>
+          <inkml:channel name="F" type="integer" max="32767" units="dev"/>
+        </inkml:traceFormat>
+        <inkml:channelProperties>
+          <inkml:channelProperty channel="X" name="resolution" value="1000" units="1/cm"/>
+          <inkml:channelProperty channel="Y" name="resolution" value="1000" units="1/cm"/>
+          <inkml:channelProperty channel="F" name="resolution" value="0" units="1/dev"/>
+        </inkml:channelProperties>
+      </inkml:inkSource>
+      <inkml:timestamp xml:id="ts0" timeString="2022-10-19T16:25:19.478"/>
+    </inkml:context>
+    <inkml:brush xml:id="br0">
+      <inkml:brushProperty name="width" value="0.025" units="cm"/>
+      <inkml:brushProperty name="height" value="0.025" units="cm"/>
+    </inkml:brush>
+  </inkml:definitions>
+  <inkml:trace contextRef="#ctx0" brushRef="#br0">0 0 24575</inkml:trace>
+  <inkml:trace contextRef="#ctx0" brushRef="#br0" timeOffset="1">0 0 24575</inkml:trace>
+</inkml:ink>
+</file>
+
+<file path=ppt/ink/ink26.xml><?xml version="1.0" encoding="utf-8"?>
+<inkml:ink xmlns:inkml="http://www.w3.org/2003/InkML">
+  <inkml:definitions>
+    <inkml:context xml:id="ctx0">
+      <inkml:inkSource xml:id="inkSrc0">
+        <inkml:traceFormat>
+          <inkml:channel name="X" type="integer" min="-2.14748E9" max="2.14748E9" units="cm"/>
+          <inkml:channel name="Y" type="integer" min="-2.14748E9" max="2.14748E9" units="cm"/>
+          <inkml:channel name="F" type="integer" max="32767" units="dev"/>
+        </inkml:traceFormat>
+        <inkml:channelProperties>
+          <inkml:channelProperty channel="X" name="resolution" value="1000" units="1/cm"/>
+          <inkml:channelProperty channel="Y" name="resolution" value="1000" units="1/cm"/>
+          <inkml:channelProperty channel="F" name="resolution" value="0" units="1/dev"/>
+        </inkml:channelProperties>
+      </inkml:inkSource>
+      <inkml:timestamp xml:id="ts0" timeString="2022-10-19T16:25:19.822"/>
+    </inkml:context>
+    <inkml:brush xml:id="br0">
+      <inkml:brushProperty name="width" value="0.025" units="cm"/>
+      <inkml:brushProperty name="height" value="0.025" units="cm"/>
+    </inkml:brush>
+  </inkml:definitions>
+  <inkml:trace contextRef="#ctx0" brushRef="#br0">0 0 24575</inkml:trace>
+  <inkml:trace contextRef="#ctx0" brushRef="#br0" timeOffset="1">0 0 24575</inkml:trace>
+</inkml:ink>
+</file>
+
+<file path=ppt/ink/ink27.xml><?xml version="1.0" encoding="utf-8"?>
+<inkml:ink xmlns:inkml="http://www.w3.org/2003/InkML">
+  <inkml:definitions>
+    <inkml:context xml:id="ctx0">
+      <inkml:inkSource xml:id="inkSrc0">
+        <inkml:traceFormat>
+          <inkml:channel name="X" type="integer" min="-2.14748E9" max="2.14748E9" units="cm"/>
+          <inkml:channel name="Y" type="integer" min="-2.14748E9" max="2.14748E9" units="cm"/>
+          <inkml:channel name="F" type="integer" max="32767" units="dev"/>
+        </inkml:traceFormat>
+        <inkml:channelProperties>
+          <inkml:channelProperty channel="X" name="resolution" value="1000" units="1/cm"/>
+          <inkml:channelProperty channel="Y" name="resolution" value="1000" units="1/cm"/>
+          <inkml:channelProperty channel="F" name="resolution" value="0" units="1/dev"/>
+        </inkml:channelProperties>
+      </inkml:inkSource>
+      <inkml:timestamp xml:id="ts0" timeString="2022-10-19T16:25:20.150"/>
+    </inkml:context>
+    <inkml:brush xml:id="br0">
+      <inkml:brushProperty name="width" value="0.025" units="cm"/>
+      <inkml:brushProperty name="height" value="0.025" units="cm"/>
+    </inkml:brush>
+  </inkml:definitions>
+  <inkml:trace contextRef="#ctx0" brushRef="#br0">0 0 24575</inkml:trace>
+  <inkml:trace contextRef="#ctx0" brushRef="#br0" timeOffset="1">0 0 24575</inkml:trace>
+</inkml:ink>
+</file>
+
+<file path=ppt/ink/ink28.xml><?xml version="1.0" encoding="utf-8"?>
+<inkml:ink xmlns:inkml="http://www.w3.org/2003/InkML">
+  <inkml:definitions>
+    <inkml:context xml:id="ctx0">
+      <inkml:inkSource xml:id="inkSrc0">
+        <inkml:traceFormat>
+          <inkml:channel name="X" type="integer" min="-2.14748E9" max="2.14748E9" units="cm"/>
+          <inkml:channel name="Y" type="integer" min="-2.14748E9" max="2.14748E9" units="cm"/>
+          <inkml:channel name="F" type="integer" max="32767" units="dev"/>
+        </inkml:traceFormat>
+        <inkml:channelProperties>
+          <inkml:channelProperty channel="X" name="resolution" value="1000" units="1/cm"/>
+          <inkml:channelProperty channel="Y" name="resolution" value="1000" units="1/cm"/>
+          <inkml:channelProperty channel="F" name="resolution" value="0" units="1/dev"/>
+        </inkml:channelProperties>
+      </inkml:inkSource>
+      <inkml:timestamp xml:id="ts0" timeString="2022-10-19T16:25:20.478"/>
+    </inkml:context>
+    <inkml:brush xml:id="br0">
+      <inkml:brushProperty name="width" value="0.025" units="cm"/>
+      <inkml:brushProperty name="height" value="0.025" units="cm"/>
+    </inkml:brush>
+  </inkml:definitions>
+  <inkml:trace contextRef="#ctx0" brushRef="#br0">0 0 24575</inkml:trace>
+</inkml:ink>
+</file>
+
+<file path=ppt/ink/ink29.xml><?xml version="1.0" encoding="utf-8"?>
+<inkml:ink xmlns:inkml="http://www.w3.org/2003/InkML">
+  <inkml:definitions>
+    <inkml:context xml:id="ctx0">
+      <inkml:inkSource xml:id="inkSrc0">
+        <inkml:traceFormat>
+          <inkml:channel name="X" type="integer" min="-2.14748E9" max="2.14748E9" units="cm"/>
+          <inkml:channel name="Y" type="integer" min="-2.14748E9" max="2.14748E9" units="cm"/>
+          <inkml:channel name="F" type="integer" max="32767" units="dev"/>
+        </inkml:traceFormat>
+        <inkml:channelProperties>
+          <inkml:channelProperty channel="X" name="resolution" value="1000" units="1/cm"/>
+          <inkml:channelProperty channel="Y" name="resolution" value="1000" units="1/cm"/>
+          <inkml:channelProperty channel="F" name="resolution" value="0" units="1/dev"/>
+        </inkml:channelProperties>
+      </inkml:inkSource>
+      <inkml:timestamp xml:id="ts0" timeString="2022-10-19T16:25:20.807"/>
+    </inkml:context>
+    <inkml:brush xml:id="br0">
+      <inkml:brushProperty name="width" value="0.025" units="cm"/>
+      <inkml:brushProperty name="height" value="0.025" units="cm"/>
+    </inkml:brush>
+  </inkml:definitions>
+  <inkml:trace contextRef="#ctx0" brushRef="#br0">0 0 24575</inkml:trace>
+</inkml:ink>
+</file>
+
+<file path=ppt/ink/ink3.xml><?xml version="1.0" encoding="utf-8"?>
+<inkml:ink xmlns:inkml="http://www.w3.org/2003/InkML">
+  <inkml:definitions>
+    <inkml:context xml:id="ctx0">
+      <inkml:inkSource xml:id="inkSrc0">
+        <inkml:traceFormat>
+          <inkml:channel name="X" type="integer" min="-2.14748E9" max="2.14748E9" units="cm"/>
+          <inkml:channel name="Y" type="integer" min="-2.14748E9" max="2.14748E9" units="cm"/>
+          <inkml:channel name="F" type="integer" max="32767" units="dev"/>
+        </inkml:traceFormat>
+        <inkml:channelProperties>
+          <inkml:channelProperty channel="X" name="resolution" value="1000" units="1/cm"/>
+          <inkml:channelProperty channel="Y" name="resolution" value="1000" units="1/cm"/>
+          <inkml:channelProperty channel="F" name="resolution" value="0" units="1/dev"/>
+        </inkml:channelProperties>
+      </inkml:inkSource>
+      <inkml:timestamp xml:id="ts0" timeString="2022-10-19T16:25:06.292"/>
+    </inkml:context>
+    <inkml:brush xml:id="br0">
+      <inkml:brushProperty name="width" value="0.025" units="cm"/>
+      <inkml:brushProperty name="height" value="0.025" units="cm"/>
+    </inkml:brush>
+  </inkml:definitions>
+  <inkml:trace contextRef="#ctx0" brushRef="#br0">1 0 24575</inkml:trace>
+</inkml:ink>
+</file>
+
+<file path=ppt/ink/ink30.xml><?xml version="1.0" encoding="utf-8"?>
+<inkml:ink xmlns:inkml="http://www.w3.org/2003/InkML">
+  <inkml:definitions>
+    <inkml:context xml:id="ctx0">
+      <inkml:inkSource xml:id="inkSrc0">
+        <inkml:traceFormat>
+          <inkml:channel name="X" type="integer" min="-2.14748E9" max="2.14748E9" units="cm"/>
+          <inkml:channel name="Y" type="integer" min="-2.14748E9" max="2.14748E9" units="cm"/>
+          <inkml:channel name="F" type="integer" max="32767" units="dev"/>
+        </inkml:traceFormat>
+        <inkml:channelProperties>
+          <inkml:channelProperty channel="X" name="resolution" value="1000" units="1/cm"/>
+          <inkml:channelProperty channel="Y" name="resolution" value="1000" units="1/cm"/>
+          <inkml:channelProperty channel="F" name="resolution" value="0" units="1/dev"/>
+        </inkml:channelProperties>
+      </inkml:inkSource>
+      <inkml:timestamp xml:id="ts0" timeString="2022-10-19T16:25:21.463"/>
+    </inkml:context>
+    <inkml:brush xml:id="br0">
+      <inkml:brushProperty name="width" value="0.025" units="cm"/>
+      <inkml:brushProperty name="height" value="0.025" units="cm"/>
+    </inkml:brush>
+  </inkml:definitions>
+  <inkml:trace contextRef="#ctx0" brushRef="#br0">0 0 24575</inkml:trace>
+</inkml:ink>
+</file>
+
+<file path=ppt/ink/ink31.xml><?xml version="1.0" encoding="utf-8"?>
+<inkml:ink xmlns:inkml="http://www.w3.org/2003/InkML">
+  <inkml:definitions>
+    <inkml:context xml:id="ctx0">
+      <inkml:inkSource xml:id="inkSrc0">
+        <inkml:traceFormat>
+          <inkml:channel name="X" type="integer" min="-2.14748E9" max="2.14748E9" units="cm"/>
+          <inkml:channel name="Y" type="integer" min="-2.14748E9" max="2.14748E9" units="cm"/>
+          <inkml:channel name="F" type="integer" max="32767" units="dev"/>
+        </inkml:traceFormat>
+        <inkml:channelProperties>
+          <inkml:channelProperty channel="X" name="resolution" value="1000" units="1/cm"/>
+          <inkml:channelProperty channel="Y" name="resolution" value="1000" units="1/cm"/>
+          <inkml:channelProperty channel="F" name="resolution" value="0" units="1/dev"/>
+        </inkml:channelProperties>
+      </inkml:inkSource>
+      <inkml:timestamp xml:id="ts0" timeString="2022-10-19T16:25:21.916"/>
+    </inkml:context>
+    <inkml:brush xml:id="br0">
+      <inkml:brushProperty name="width" value="0.025" units="cm"/>
+      <inkml:brushProperty name="height" value="0.025" units="cm"/>
+    </inkml:brush>
+  </inkml:definitions>
+  <inkml:trace contextRef="#ctx0" brushRef="#br0">0 0 24575</inkml:trace>
+</inkml:ink>
+</file>
+
+<file path=ppt/ink/ink4.xml><?xml version="1.0" encoding="utf-8"?>
+<inkml:ink xmlns:inkml="http://www.w3.org/2003/InkML">
+  <inkml:definitions>
+    <inkml:context xml:id="ctx0">
+      <inkml:inkSource xml:id="inkSrc0">
+        <inkml:traceFormat>
+          <inkml:channel name="X" type="integer" min="-2.14748E9" max="2.14748E9" units="cm"/>
+          <inkml:channel name="Y" type="integer" min="-2.14748E9" max="2.14748E9" units="cm"/>
+          <inkml:channel name="F" type="integer" max="32767" units="dev"/>
+        </inkml:traceFormat>
+        <inkml:channelProperties>
+          <inkml:channelProperty channel="X" name="resolution" value="1000" units="1/cm"/>
+          <inkml:channelProperty channel="Y" name="resolution" value="1000" units="1/cm"/>
+          <inkml:channelProperty channel="F" name="resolution" value="0" units="1/dev"/>
+        </inkml:channelProperties>
+      </inkml:inkSource>
+      <inkml:timestamp xml:id="ts0" timeString="2022-10-19T16:25:06.636"/>
+    </inkml:context>
+    <inkml:brush xml:id="br0">
+      <inkml:brushProperty name="width" value="0.025" units="cm"/>
+      <inkml:brushProperty name="height" value="0.025" units="cm"/>
+    </inkml:brush>
+  </inkml:definitions>
+  <inkml:trace contextRef="#ctx0" brushRef="#br0">1 0 24575</inkml:trace>
+</inkml:ink>
+</file>
+
+<file path=ppt/ink/ink5.xml><?xml version="1.0" encoding="utf-8"?>
+<inkml:ink xmlns:inkml="http://www.w3.org/2003/InkML">
+  <inkml:definitions>
+    <inkml:context xml:id="ctx0">
+      <inkml:inkSource xml:id="inkSrc0">
+        <inkml:traceFormat>
+          <inkml:channel name="X" type="integer" min="-2.14748E9" max="2.14748E9" units="cm"/>
+          <inkml:channel name="Y" type="integer" min="-2.14748E9" max="2.14748E9" units="cm"/>
+          <inkml:channel name="F" type="integer" max="32767" units="dev"/>
+        </inkml:traceFormat>
+        <inkml:channelProperties>
+          <inkml:channelProperty channel="X" name="resolution" value="1000" units="1/cm"/>
+          <inkml:channelProperty channel="Y" name="resolution" value="1000" units="1/cm"/>
+          <inkml:channelProperty channel="F" name="resolution" value="0" units="1/dev"/>
+        </inkml:channelProperties>
+      </inkml:inkSource>
+      <inkml:timestamp xml:id="ts0" timeString="2022-10-19T16:25:07.214"/>
+    </inkml:context>
+    <inkml:brush xml:id="br0">
+      <inkml:brushProperty name="width" value="0.025" units="cm"/>
+      <inkml:brushProperty name="height" value="0.025" units="cm"/>
+    </inkml:brush>
+  </inkml:definitions>
+  <inkml:trace contextRef="#ctx0" brushRef="#br0">0 1 24575</inkml:trace>
+</inkml:ink>
+</file>
+
+<file path=ppt/ink/ink6.xml><?xml version="1.0" encoding="utf-8"?>
+<inkml:ink xmlns:inkml="http://www.w3.org/2003/InkML">
+  <inkml:definitions>
+    <inkml:context xml:id="ctx0">
+      <inkml:inkSource xml:id="inkSrc0">
+        <inkml:traceFormat>
+          <inkml:channel name="X" type="integer" min="-2.14748E9" max="2.14748E9" units="cm"/>
+          <inkml:channel name="Y" type="integer" min="-2.14748E9" max="2.14748E9" units="cm"/>
+          <inkml:channel name="F" type="integer" max="32767" units="dev"/>
+        </inkml:traceFormat>
+        <inkml:channelProperties>
+          <inkml:channelProperty channel="X" name="resolution" value="1000" units="1/cm"/>
+          <inkml:channelProperty channel="Y" name="resolution" value="1000" units="1/cm"/>
+          <inkml:channelProperty channel="F" name="resolution" value="0" units="1/dev"/>
+        </inkml:channelProperties>
+      </inkml:inkSource>
+      <inkml:timestamp xml:id="ts0" timeString="2022-10-19T16:25:07.941"/>
+    </inkml:context>
+    <inkml:brush xml:id="br0">
+      <inkml:brushProperty name="width" value="0.025" units="cm"/>
+      <inkml:brushProperty name="height" value="0.025" units="cm"/>
+    </inkml:brush>
+  </inkml:definitions>
+  <inkml:trace contextRef="#ctx0" brushRef="#br0">1 1 24575</inkml:trace>
+</inkml:ink>
+</file>
+
+<file path=ppt/ink/ink7.xml><?xml version="1.0" encoding="utf-8"?>
+<inkml:ink xmlns:inkml="http://www.w3.org/2003/InkML">
+  <inkml:definitions>
+    <inkml:context xml:id="ctx0">
+      <inkml:inkSource xml:id="inkSrc0">
+        <inkml:traceFormat>
+          <inkml:channel name="X" type="integer" min="-2.14748E9" max="2.14748E9" units="cm"/>
+          <inkml:channel name="Y" type="integer" min="-2.14748E9" max="2.14748E9" units="cm"/>
+          <inkml:channel name="F" type="integer" max="32767" units="dev"/>
+        </inkml:traceFormat>
+        <inkml:channelProperties>
+          <inkml:channelProperty channel="X" name="resolution" value="1000" units="1/cm"/>
+          <inkml:channelProperty channel="Y" name="resolution" value="1000" units="1/cm"/>
+          <inkml:channelProperty channel="F" name="resolution" value="0" units="1/dev"/>
+        </inkml:channelProperties>
+      </inkml:inkSource>
+      <inkml:timestamp xml:id="ts0" timeString="2022-10-19T16:25:09.816"/>
+    </inkml:context>
+    <inkml:brush xml:id="br0">
+      <inkml:brushProperty name="width" value="0.025" units="cm"/>
+      <inkml:brushProperty name="height" value="0.025" units="cm"/>
+    </inkml:brush>
+  </inkml:definitions>
+  <inkml:trace contextRef="#ctx0" brushRef="#br0">1 1 24575</inkml:trace>
+</inkml:ink>
+</file>
+
+<file path=ppt/ink/ink8.xml><?xml version="1.0" encoding="utf-8"?>
+<inkml:ink xmlns:inkml="http://www.w3.org/2003/InkML">
+  <inkml:definitions>
+    <inkml:context xml:id="ctx0">
+      <inkml:inkSource xml:id="inkSrc0">
+        <inkml:traceFormat>
+          <inkml:channel name="X" type="integer" min="-2.14748E9" max="2.14748E9" units="cm"/>
+          <inkml:channel name="Y" type="integer" min="-2.14748E9" max="2.14748E9" units="cm"/>
+          <inkml:channel name="F" type="integer" max="32767" units="dev"/>
+        </inkml:traceFormat>
+        <inkml:channelProperties>
+          <inkml:channelProperty channel="X" name="resolution" value="1000" units="1/cm"/>
+          <inkml:channelProperty channel="Y" name="resolution" value="1000" units="1/cm"/>
+          <inkml:channelProperty channel="F" name="resolution" value="0" units="1/dev"/>
+        </inkml:channelProperties>
+      </inkml:inkSource>
+      <inkml:timestamp xml:id="ts0" timeString="2022-10-19T16:25:10.223"/>
+    </inkml:context>
+    <inkml:brush xml:id="br0">
+      <inkml:brushProperty name="width" value="0.025" units="cm"/>
+      <inkml:brushProperty name="height" value="0.025" units="cm"/>
+    </inkml:brush>
+  </inkml:definitions>
+  <inkml:trace contextRef="#ctx0" brushRef="#br0">0 0 24575</inkml:trace>
+</inkml:ink>
+</file>
+
+<file path=ppt/ink/ink9.xml><?xml version="1.0" encoding="utf-8"?>
+<inkml:ink xmlns:inkml="http://www.w3.org/2003/InkML">
+  <inkml:definitions>
+    <inkml:context xml:id="ctx0">
+      <inkml:inkSource xml:id="inkSrc0">
+        <inkml:traceFormat>
+          <inkml:channel name="X" type="integer" min="-2.14748E9" max="2.14748E9" units="cm"/>
+          <inkml:channel name="Y" type="integer" min="-2.14748E9" max="2.14748E9" units="cm"/>
+          <inkml:channel name="F" type="integer" max="32767" units="dev"/>
+        </inkml:traceFormat>
+        <inkml:channelProperties>
+          <inkml:channelProperty channel="X" name="resolution" value="1000" units="1/cm"/>
+          <inkml:channelProperty channel="Y" name="resolution" value="1000" units="1/cm"/>
+          <inkml:channelProperty channel="F" name="resolution" value="0" units="1/dev"/>
+        </inkml:channelProperties>
+      </inkml:inkSource>
+      <inkml:timestamp xml:id="ts0" timeString="2022-10-19T16:25:10.567"/>
+    </inkml:context>
+    <inkml:brush xml:id="br0">
+      <inkml:brushProperty name="width" value="0.025" units="cm"/>
+      <inkml:brushProperty name="height" value="0.025" units="cm"/>
+    </inkml:brush>
+  </inkml:definitions>
+  <inkml:trace contextRef="#ctx0" brushRef="#br0">0 0 24575</inkml:trace>
+</inkml:ink>
 </file>
 
 <file path=ppt/slideLayouts/slideLayout1.xml><?xml version="1.0" encoding="utf-8"?>
@@ -5645,7 +6488,12 @@
             <p:ph type="ctrTitle"/>
           </p:nvPr>
         </p:nvSpPr>
-        <p:spPr/>
+        <p:spPr>
+          <a:xfrm>
+            <a:off x="878812" y="355002"/>
+            <a:ext cx="10434375" cy="2387600"/>
+          </a:xfrm>
+        </p:spPr>
         <p:txBody>
           <a:bodyPr/>
           <a:lstStyle/>
@@ -5673,25 +6521,52 @@
             <p:ph type="subTitle" idx="1"/>
           </p:nvPr>
         </p:nvSpPr>
-        <p:spPr/>
-        <p:txBody>
-          <a:bodyPr/>
+        <p:spPr>
+          <a:xfrm>
+            <a:off x="4499292" y="3289579"/>
+            <a:ext cx="2668868" cy="2766598"/>
+          </a:xfrm>
+        </p:spPr>
+        <p:txBody>
+          <a:bodyPr>
+            <a:normAutofit fontScale="92500"/>
+          </a:bodyPr>
           <a:lstStyle/>
           <a:p>
+            <a:pPr marL="342900" indent="-342900" algn="l">
+              <a:buFont typeface="Wingdings" panose="05000000000000000000" pitchFamily="2" charset="2"/>
+              <a:buChar char="§"/>
+            </a:pPr>
             <a:r>
               <a:rPr lang="en-US" dirty="0"/>
-              <a:t>Dillon Williams, </a:t>
-            </a:r>
-            <a:r>
-              <a:rPr lang="en-US" dirty="0" err="1"/>
-              <a:t>Nidhay</a:t>
-            </a:r>
+              <a:t>Dillon Williams</a:t>
+            </a:r>
+          </a:p>
+          <a:p>
+            <a:pPr marL="342900" indent="-342900" algn="l">
+              <a:buFont typeface="Wingdings" panose="05000000000000000000" pitchFamily="2" charset="2"/>
+              <a:buChar char="§"/>
+            </a:pPr>
             <a:r>
               <a:rPr lang="en-US" dirty="0"/>
-              <a:t> Patel, Ryan Reed,</a:t>
-            </a:r>
-          </a:p>
-          <a:p>
+              <a:t>Nidhay Patel</a:t>
+            </a:r>
+          </a:p>
+          <a:p>
+            <a:pPr marL="342900" indent="-342900" algn="l">
+              <a:buFont typeface="Wingdings" panose="05000000000000000000" pitchFamily="2" charset="2"/>
+              <a:buChar char="§"/>
+            </a:pPr>
+            <a:r>
+              <a:rPr lang="en-US" dirty="0"/>
+              <a:t>Ryan Reed</a:t>
+            </a:r>
+          </a:p>
+          <a:p>
+            <a:pPr marL="342900" indent="-342900" algn="l">
+              <a:buFont typeface="Wingdings" panose="05000000000000000000" pitchFamily="2" charset="2"/>
+              <a:buChar char="§"/>
+            </a:pPr>
             <a:r>
               <a:rPr lang="en-US" dirty="0"/>
               <a:t>Michel </a:t>
@@ -5700,9 +6575,16 @@
               <a:rPr lang="en-US" dirty="0" err="1"/>
               <a:t>Turpeau</a:t>
             </a:r>
+            <a:endParaRPr lang="en-US" dirty="0"/>
+          </a:p>
+          <a:p>
+            <a:pPr marL="342900" indent="-342900" algn="l">
+              <a:buFont typeface="Wingdings" panose="05000000000000000000" pitchFamily="2" charset="2"/>
+              <a:buChar char="§"/>
+            </a:pPr>
             <a:r>
               <a:rPr lang="en-US" dirty="0"/>
-              <a:t>, Austin </a:t>
+              <a:t>Austin </a:t>
             </a:r>
             <a:r>
               <a:rPr lang="en-US" dirty="0" err="1"/>
@@ -5726,6 +6608,1892 @@
 </file>
 
 <file path=ppt/slides/slide2.xml><?xml version="1.0" encoding="utf-8"?>
+<p:sld xmlns:a="http://schemas.openxmlformats.org/drawingml/2006/main" xmlns:r="http://schemas.openxmlformats.org/officeDocument/2006/relationships" xmlns:p="http://schemas.openxmlformats.org/presentationml/2006/main">
+  <p:cSld>
+    <p:spTree>
+      <p:nvGrpSpPr>
+        <p:cNvPr id="1" name=""/>
+        <p:cNvGrpSpPr/>
+        <p:nvPr/>
+      </p:nvGrpSpPr>
+      <p:grpSpPr>
+        <a:xfrm>
+          <a:off x="0" y="0"/>
+          <a:ext cx="0" cy="0"/>
+          <a:chOff x="0" y="0"/>
+          <a:chExt cx="0" cy="0"/>
+        </a:xfrm>
+      </p:grpSpPr>
+      <p:sp>
+        <p:nvSpPr>
+          <p:cNvPr id="2" name="Title 1">
+            <a:extLst>
+              <a:ext uri="{FF2B5EF4-FFF2-40B4-BE49-F238E27FC236}">
+                <a16:creationId xmlns:a16="http://schemas.microsoft.com/office/drawing/2014/main" id="{B1634A40-AFE8-4B87-94A7-F79202998DC1}"/>
+              </a:ext>
+            </a:extLst>
+          </p:cNvPr>
+          <p:cNvSpPr>
+            <a:spLocks noGrp="1"/>
+          </p:cNvSpPr>
+          <p:nvPr>
+            <p:ph type="title"/>
+          </p:nvPr>
+        </p:nvSpPr>
+        <p:spPr/>
+        <p:txBody>
+          <a:bodyPr/>
+          <a:lstStyle/>
+          <a:p>
+            <a:r>
+              <a:rPr lang="en-US" dirty="0"/>
+              <a:t>Microcontroller</a:t>
+            </a:r>
+          </a:p>
+        </p:txBody>
+      </p:sp>
+      <p:sp>
+        <p:nvSpPr>
+          <p:cNvPr id="3" name="Content Placeholder 2">
+            <a:extLst>
+              <a:ext uri="{FF2B5EF4-FFF2-40B4-BE49-F238E27FC236}">
+                <a16:creationId xmlns:a16="http://schemas.microsoft.com/office/drawing/2014/main" id="{0D2D1614-3FE4-45C8-9036-1A3F9A060FF5}"/>
+              </a:ext>
+            </a:extLst>
+          </p:cNvPr>
+          <p:cNvSpPr>
+            <a:spLocks noGrp="1"/>
+          </p:cNvSpPr>
+          <p:nvPr>
+            <p:ph idx="1"/>
+          </p:nvPr>
+        </p:nvSpPr>
+        <p:spPr>
+          <a:xfrm>
+            <a:off x="339423" y="2106721"/>
+            <a:ext cx="10353762" cy="3695136"/>
+          </a:xfrm>
+        </p:spPr>
+        <p:txBody>
+          <a:bodyPr/>
+          <a:lstStyle/>
+          <a:p>
+            <a:r>
+              <a:rPr lang="en-US" dirty="0"/>
+              <a:t>Raspberry Pi Model 4 B</a:t>
+            </a:r>
+          </a:p>
+          <a:p>
+            <a:pPr lvl="1"/>
+            <a:r>
+              <a:rPr lang="en-US" dirty="0"/>
+              <a:t>Card Reader</a:t>
+            </a:r>
+          </a:p>
+          <a:p>
+            <a:pPr lvl="2"/>
+            <a:r>
+              <a:rPr lang="en-US" u="sng" dirty="0"/>
+              <a:t>Input:</a:t>
+            </a:r>
+            <a:r>
+              <a:rPr lang="en-US" dirty="0"/>
+              <a:t> Signal/Message/Information from Eagle Card</a:t>
+            </a:r>
+          </a:p>
+          <a:p>
+            <a:pPr lvl="2"/>
+            <a:r>
+              <a:rPr lang="en-US" u="sng" dirty="0"/>
+              <a:t>Output:</a:t>
+            </a:r>
+            <a:r>
+              <a:rPr lang="en-US" dirty="0"/>
+              <a:t> Create Data and signal Microcontroller Unit</a:t>
+            </a:r>
+          </a:p>
+          <a:p>
+            <a:pPr lvl="1"/>
+            <a:endParaRPr lang="en-US" dirty="0"/>
+          </a:p>
+          <a:p>
+            <a:pPr lvl="1"/>
+            <a:r>
+              <a:rPr lang="en-US" dirty="0"/>
+              <a:t>UI </a:t>
+            </a:r>
+          </a:p>
+          <a:p>
+            <a:pPr lvl="2"/>
+            <a:r>
+              <a:rPr lang="en-US" dirty="0"/>
+              <a:t>Raspberry Pi LCD touchscreen</a:t>
+            </a:r>
+          </a:p>
+          <a:p>
+            <a:pPr lvl="3"/>
+            <a:r>
+              <a:rPr lang="en-US" sz="1600" u="sng" dirty="0"/>
+              <a:t>Input:</a:t>
+            </a:r>
+            <a:r>
+              <a:rPr lang="en-US" sz="1600" dirty="0"/>
+              <a:t> Information from Student</a:t>
+            </a:r>
+          </a:p>
+          <a:p>
+            <a:pPr lvl="3"/>
+            <a:r>
+              <a:rPr lang="en-US" sz="1600" u="sng" dirty="0"/>
+              <a:t>Output:</a:t>
+            </a:r>
+            <a:r>
+              <a:rPr lang="en-US" sz="1600" dirty="0"/>
+              <a:t> Raspberry Pi signaling PLC</a:t>
+            </a:r>
+          </a:p>
+          <a:p>
+            <a:pPr lvl="1"/>
+            <a:endParaRPr lang="en-US" dirty="0"/>
+          </a:p>
+        </p:txBody>
+      </p:sp>
+      <mc:AlternateContent xmlns:mc="http://schemas.openxmlformats.org/markup-compatibility/2006" xmlns:p14="http://schemas.microsoft.com/office/powerpoint/2010/main">
+        <mc:Choice Requires="p14">
+          <p:contentPart p14:bwMode="auto" r:id="rId2">
+            <p14:nvContentPartPr>
+              <p14:cNvPr id="4" name="Ink 3">
+                <a:extLst>
+                  <a:ext uri="{FF2B5EF4-FFF2-40B4-BE49-F238E27FC236}">
+                    <a16:creationId xmlns:a16="http://schemas.microsoft.com/office/drawing/2014/main" id="{E3D6AEB0-B40C-4882-BE48-E169F908421F}"/>
+                  </a:ext>
+                </a:extLst>
+              </p14:cNvPr>
+              <p14:cNvContentPartPr/>
+              <p14:nvPr/>
+            </p14:nvContentPartPr>
+            <p14:xfrm>
+              <a:off x="3555997" y="1433270"/>
+              <a:ext cx="360" cy="360"/>
+            </p14:xfrm>
+          </p:contentPart>
+        </mc:Choice>
+        <mc:Fallback xmlns="">
+          <p:pic>
+            <p:nvPicPr>
+              <p:cNvPr id="4" name="Ink 3">
+                <a:extLst>
+                  <a:ext uri="{FF2B5EF4-FFF2-40B4-BE49-F238E27FC236}">
+                    <a16:creationId xmlns:a16="http://schemas.microsoft.com/office/drawing/2014/main" id="{E3D6AEB0-B40C-4882-BE48-E169F908421F}"/>
+                  </a:ext>
+                </a:extLst>
+              </p:cNvPr>
+              <p:cNvPicPr/>
+              <p:nvPr/>
+            </p:nvPicPr>
+            <p:blipFill>
+              <a:blip r:embed="rId3"/>
+              <a:stretch>
+                <a:fillRect/>
+              </a:stretch>
+            </p:blipFill>
+            <p:spPr>
+              <a:xfrm>
+                <a:off x="3551677" y="1428950"/>
+                <a:ext cx="9000" cy="9000"/>
+              </a:xfrm>
+              <a:prstGeom prst="rect">
+                <a:avLst/>
+              </a:prstGeom>
+            </p:spPr>
+          </p:pic>
+        </mc:Fallback>
+      </mc:AlternateContent>
+      <mc:AlternateContent xmlns:mc="http://schemas.openxmlformats.org/markup-compatibility/2006" xmlns:p14="http://schemas.microsoft.com/office/powerpoint/2010/main">
+        <mc:Choice Requires="p14">
+          <p:contentPart p14:bwMode="auto" r:id="rId4">
+            <p14:nvContentPartPr>
+              <p14:cNvPr id="5" name="Ink 4">
+                <a:extLst>
+                  <a:ext uri="{FF2B5EF4-FFF2-40B4-BE49-F238E27FC236}">
+                    <a16:creationId xmlns:a16="http://schemas.microsoft.com/office/drawing/2014/main" id="{D9D49BC0-6AB4-42C0-B5BB-5A0710C6370F}"/>
+                  </a:ext>
+                </a:extLst>
+              </p14:cNvPr>
+              <p14:cNvContentPartPr/>
+              <p14:nvPr/>
+            </p14:nvContentPartPr>
+            <p14:xfrm>
+              <a:off x="2747437" y="2370710"/>
+              <a:ext cx="360" cy="360"/>
+            </p14:xfrm>
+          </p:contentPart>
+        </mc:Choice>
+        <mc:Fallback xmlns="">
+          <p:pic>
+            <p:nvPicPr>
+              <p:cNvPr id="5" name="Ink 4">
+                <a:extLst>
+                  <a:ext uri="{FF2B5EF4-FFF2-40B4-BE49-F238E27FC236}">
+                    <a16:creationId xmlns:a16="http://schemas.microsoft.com/office/drawing/2014/main" id="{D9D49BC0-6AB4-42C0-B5BB-5A0710C6370F}"/>
+                  </a:ext>
+                </a:extLst>
+              </p:cNvPr>
+              <p:cNvPicPr/>
+              <p:nvPr/>
+            </p:nvPicPr>
+            <p:blipFill>
+              <a:blip r:embed="rId3"/>
+              <a:stretch>
+                <a:fillRect/>
+              </a:stretch>
+            </p:blipFill>
+            <p:spPr>
+              <a:xfrm>
+                <a:off x="2743117" y="2366390"/>
+                <a:ext cx="9000" cy="9000"/>
+              </a:xfrm>
+              <a:prstGeom prst="rect">
+                <a:avLst/>
+              </a:prstGeom>
+            </p:spPr>
+          </p:pic>
+        </mc:Fallback>
+      </mc:AlternateContent>
+      <p:grpSp>
+        <p:nvGrpSpPr>
+          <p:cNvPr id="10" name="Group 9">
+            <a:extLst>
+              <a:ext uri="{FF2B5EF4-FFF2-40B4-BE49-F238E27FC236}">
+                <a16:creationId xmlns:a16="http://schemas.microsoft.com/office/drawing/2014/main" id="{D83F9762-46D5-46FA-BDC7-9F593F18D836}"/>
+              </a:ext>
+            </a:extLst>
+          </p:cNvPr>
+          <p:cNvGrpSpPr/>
+          <p:nvPr/>
+        </p:nvGrpSpPr>
+        <p:grpSpPr>
+          <a:xfrm>
+            <a:off x="3946597" y="2421470"/>
+            <a:ext cx="360" cy="360"/>
+            <a:chOff x="3946597" y="2421470"/>
+            <a:chExt cx="360" cy="360"/>
+          </a:xfrm>
+        </p:grpSpPr>
+        <mc:AlternateContent xmlns:mc="http://schemas.openxmlformats.org/markup-compatibility/2006" xmlns:p14="http://schemas.microsoft.com/office/powerpoint/2010/main">
+          <mc:Choice Requires="p14">
+            <p:contentPart p14:bwMode="auto" r:id="rId5">
+              <p14:nvContentPartPr>
+                <p14:cNvPr id="6" name="Ink 5">
+                  <a:extLst>
+                    <a:ext uri="{FF2B5EF4-FFF2-40B4-BE49-F238E27FC236}">
+                      <a16:creationId xmlns:a16="http://schemas.microsoft.com/office/drawing/2014/main" id="{0D62B0FE-65B4-4E78-9F77-3028F2A5744E}"/>
+                    </a:ext>
+                  </a:extLst>
+                </p14:cNvPr>
+                <p14:cNvContentPartPr/>
+                <p14:nvPr/>
+              </p14:nvContentPartPr>
+              <p14:xfrm>
+                <a:off x="3946597" y="2421470"/>
+                <a:ext cx="360" cy="360"/>
+              </p14:xfrm>
+            </p:contentPart>
+          </mc:Choice>
+          <mc:Fallback xmlns="">
+            <p:pic>
+              <p:nvPicPr>
+                <p:cNvPr id="6" name="Ink 5">
+                  <a:extLst>
+                    <a:ext uri="{FF2B5EF4-FFF2-40B4-BE49-F238E27FC236}">
+                      <a16:creationId xmlns:a16="http://schemas.microsoft.com/office/drawing/2014/main" id="{0D62B0FE-65B4-4E78-9F77-3028F2A5744E}"/>
+                    </a:ext>
+                  </a:extLst>
+                </p:cNvPr>
+                <p:cNvPicPr/>
+                <p:nvPr/>
+              </p:nvPicPr>
+              <p:blipFill>
+                <a:blip r:embed="rId3"/>
+                <a:stretch>
+                  <a:fillRect/>
+                </a:stretch>
+              </p:blipFill>
+              <p:spPr>
+                <a:xfrm>
+                  <a:off x="3942277" y="2417150"/>
+                  <a:ext cx="9000" cy="9000"/>
+                </a:xfrm>
+                <a:prstGeom prst="rect">
+                  <a:avLst/>
+                </a:prstGeom>
+              </p:spPr>
+            </p:pic>
+          </mc:Fallback>
+        </mc:AlternateContent>
+        <mc:AlternateContent xmlns:mc="http://schemas.openxmlformats.org/markup-compatibility/2006" xmlns:p14="http://schemas.microsoft.com/office/powerpoint/2010/main">
+          <mc:Choice Requires="p14">
+            <p:contentPart p14:bwMode="auto" r:id="rId6">
+              <p14:nvContentPartPr>
+                <p14:cNvPr id="7" name="Ink 6">
+                  <a:extLst>
+                    <a:ext uri="{FF2B5EF4-FFF2-40B4-BE49-F238E27FC236}">
+                      <a16:creationId xmlns:a16="http://schemas.microsoft.com/office/drawing/2014/main" id="{9A5F31A4-0A46-4E7C-BA75-AF283AF42B92}"/>
+                    </a:ext>
+                  </a:extLst>
+                </p14:cNvPr>
+                <p14:cNvContentPartPr/>
+                <p14:nvPr/>
+              </p14:nvContentPartPr>
+              <p14:xfrm>
+                <a:off x="3946597" y="2421470"/>
+                <a:ext cx="360" cy="360"/>
+              </p14:xfrm>
+            </p:contentPart>
+          </mc:Choice>
+          <mc:Fallback xmlns="">
+            <p:pic>
+              <p:nvPicPr>
+                <p:cNvPr id="7" name="Ink 6">
+                  <a:extLst>
+                    <a:ext uri="{FF2B5EF4-FFF2-40B4-BE49-F238E27FC236}">
+                      <a16:creationId xmlns:a16="http://schemas.microsoft.com/office/drawing/2014/main" id="{9A5F31A4-0A46-4E7C-BA75-AF283AF42B92}"/>
+                    </a:ext>
+                  </a:extLst>
+                </p:cNvPr>
+                <p:cNvPicPr/>
+                <p:nvPr/>
+              </p:nvPicPr>
+              <p:blipFill>
+                <a:blip r:embed="rId3"/>
+                <a:stretch>
+                  <a:fillRect/>
+                </a:stretch>
+              </p:blipFill>
+              <p:spPr>
+                <a:xfrm>
+                  <a:off x="3942277" y="2417150"/>
+                  <a:ext cx="9000" cy="9000"/>
+                </a:xfrm>
+                <a:prstGeom prst="rect">
+                  <a:avLst/>
+                </a:prstGeom>
+              </p:spPr>
+            </p:pic>
+          </mc:Fallback>
+        </mc:AlternateContent>
+      </p:grpSp>
+      <mc:AlternateContent xmlns:mc="http://schemas.openxmlformats.org/markup-compatibility/2006" xmlns:p14="http://schemas.microsoft.com/office/powerpoint/2010/main">
+        <mc:Choice Requires="p14">
+          <p:contentPart p14:bwMode="auto" r:id="rId7">
+            <p14:nvContentPartPr>
+              <p14:cNvPr id="8" name="Ink 7">
+                <a:extLst>
+                  <a:ext uri="{FF2B5EF4-FFF2-40B4-BE49-F238E27FC236}">
+                    <a16:creationId xmlns:a16="http://schemas.microsoft.com/office/drawing/2014/main" id="{55C6E8D1-CAFB-4149-98E9-85A65B86EB08}"/>
+                  </a:ext>
+                </a:extLst>
+              </p14:cNvPr>
+              <p14:cNvContentPartPr/>
+              <p14:nvPr/>
+            </p14:nvContentPartPr>
+            <p14:xfrm>
+              <a:off x="12337117" y="2765630"/>
+              <a:ext cx="360" cy="360"/>
+            </p14:xfrm>
+          </p:contentPart>
+        </mc:Choice>
+        <mc:Fallback xmlns="">
+          <p:pic>
+            <p:nvPicPr>
+              <p:cNvPr id="8" name="Ink 7">
+                <a:extLst>
+                  <a:ext uri="{FF2B5EF4-FFF2-40B4-BE49-F238E27FC236}">
+                    <a16:creationId xmlns:a16="http://schemas.microsoft.com/office/drawing/2014/main" id="{55C6E8D1-CAFB-4149-98E9-85A65B86EB08}"/>
+                  </a:ext>
+                </a:extLst>
+              </p:cNvPr>
+              <p:cNvPicPr/>
+              <p:nvPr/>
+            </p:nvPicPr>
+            <p:blipFill>
+              <a:blip r:embed="rId3"/>
+              <a:stretch>
+                <a:fillRect/>
+              </a:stretch>
+            </p:blipFill>
+            <p:spPr>
+              <a:xfrm>
+                <a:off x="12332797" y="2761310"/>
+                <a:ext cx="9000" cy="9000"/>
+              </a:xfrm>
+              <a:prstGeom prst="rect">
+                <a:avLst/>
+              </a:prstGeom>
+            </p:spPr>
+          </p:pic>
+        </mc:Fallback>
+      </mc:AlternateContent>
+      <mc:AlternateContent xmlns:mc="http://schemas.openxmlformats.org/markup-compatibility/2006" xmlns:p14="http://schemas.microsoft.com/office/powerpoint/2010/main">
+        <mc:Choice Requires="p14">
+          <p:contentPart p14:bwMode="auto" r:id="rId8">
+            <p14:nvContentPartPr>
+              <p14:cNvPr id="9" name="Ink 8">
+                <a:extLst>
+                  <a:ext uri="{FF2B5EF4-FFF2-40B4-BE49-F238E27FC236}">
+                    <a16:creationId xmlns:a16="http://schemas.microsoft.com/office/drawing/2014/main" id="{5DA89560-4919-423F-8102-B670C6CD33A6}"/>
+                  </a:ext>
+                </a:extLst>
+              </p14:cNvPr>
+              <p14:cNvContentPartPr/>
+              <p14:nvPr/>
+            </p14:nvContentPartPr>
+            <p14:xfrm>
+              <a:off x="2595877" y="2255870"/>
+              <a:ext cx="360" cy="360"/>
+            </p14:xfrm>
+          </p:contentPart>
+        </mc:Choice>
+        <mc:Fallback xmlns="">
+          <p:pic>
+            <p:nvPicPr>
+              <p:cNvPr id="9" name="Ink 8">
+                <a:extLst>
+                  <a:ext uri="{FF2B5EF4-FFF2-40B4-BE49-F238E27FC236}">
+                    <a16:creationId xmlns:a16="http://schemas.microsoft.com/office/drawing/2014/main" id="{5DA89560-4919-423F-8102-B670C6CD33A6}"/>
+                  </a:ext>
+                </a:extLst>
+              </p:cNvPr>
+              <p:cNvPicPr/>
+              <p:nvPr/>
+            </p:nvPicPr>
+            <p:blipFill>
+              <a:blip r:embed="rId3"/>
+              <a:stretch>
+                <a:fillRect/>
+              </a:stretch>
+            </p:blipFill>
+            <p:spPr>
+              <a:xfrm>
+                <a:off x="2591557" y="2251550"/>
+                <a:ext cx="9000" cy="9000"/>
+              </a:xfrm>
+              <a:prstGeom prst="rect">
+                <a:avLst/>
+              </a:prstGeom>
+            </p:spPr>
+          </p:pic>
+        </mc:Fallback>
+      </mc:AlternateContent>
+      <mc:AlternateContent xmlns:mc="http://schemas.openxmlformats.org/markup-compatibility/2006" xmlns:p14="http://schemas.microsoft.com/office/powerpoint/2010/main">
+        <mc:Choice Requires="p14">
+          <p:contentPart p14:bwMode="auto" r:id="rId9">
+            <p14:nvContentPartPr>
+              <p14:cNvPr id="11" name="Ink 10">
+                <a:extLst>
+                  <a:ext uri="{FF2B5EF4-FFF2-40B4-BE49-F238E27FC236}">
+                    <a16:creationId xmlns:a16="http://schemas.microsoft.com/office/drawing/2014/main" id="{689734F5-F3F3-4908-812C-7DC27BA0BFEC}"/>
+                  </a:ext>
+                </a:extLst>
+              </p14:cNvPr>
+              <p14:cNvContentPartPr/>
+              <p14:nvPr/>
+            </p14:nvContentPartPr>
+            <p14:xfrm>
+              <a:off x="4842637" y="1336790"/>
+              <a:ext cx="360" cy="360"/>
+            </p14:xfrm>
+          </p:contentPart>
+        </mc:Choice>
+        <mc:Fallback xmlns="">
+          <p:pic>
+            <p:nvPicPr>
+              <p:cNvPr id="11" name="Ink 10">
+                <a:extLst>
+                  <a:ext uri="{FF2B5EF4-FFF2-40B4-BE49-F238E27FC236}">
+                    <a16:creationId xmlns:a16="http://schemas.microsoft.com/office/drawing/2014/main" id="{689734F5-F3F3-4908-812C-7DC27BA0BFEC}"/>
+                  </a:ext>
+                </a:extLst>
+              </p:cNvPr>
+              <p:cNvPicPr/>
+              <p:nvPr/>
+            </p:nvPicPr>
+            <p:blipFill>
+              <a:blip r:embed="rId3"/>
+              <a:stretch>
+                <a:fillRect/>
+              </a:stretch>
+            </p:blipFill>
+            <p:spPr>
+              <a:xfrm>
+                <a:off x="4838317" y="1332470"/>
+                <a:ext cx="9000" cy="9000"/>
+              </a:xfrm>
+              <a:prstGeom prst="rect">
+                <a:avLst/>
+              </a:prstGeom>
+            </p:spPr>
+          </p:pic>
+        </mc:Fallback>
+      </mc:AlternateContent>
+      <p:grpSp>
+        <p:nvGrpSpPr>
+          <p:cNvPr id="23" name="Group 22">
+            <a:extLst>
+              <a:ext uri="{FF2B5EF4-FFF2-40B4-BE49-F238E27FC236}">
+                <a16:creationId xmlns:a16="http://schemas.microsoft.com/office/drawing/2014/main" id="{36F4FD79-1DB0-4AF5-92C0-61657F6D8484}"/>
+              </a:ext>
+            </a:extLst>
+          </p:cNvPr>
+          <p:cNvGrpSpPr/>
+          <p:nvPr/>
+        </p:nvGrpSpPr>
+        <p:grpSpPr>
+          <a:xfrm>
+            <a:off x="4819957" y="1148510"/>
+            <a:ext cx="360" cy="360"/>
+            <a:chOff x="4819957" y="1148510"/>
+            <a:chExt cx="360" cy="360"/>
+          </a:xfrm>
+        </p:grpSpPr>
+        <mc:AlternateContent xmlns:mc="http://schemas.openxmlformats.org/markup-compatibility/2006" xmlns:p14="http://schemas.microsoft.com/office/powerpoint/2010/main">
+          <mc:Choice Requires="p14">
+            <p:contentPart p14:bwMode="auto" r:id="rId10">
+              <p14:nvContentPartPr>
+                <p14:cNvPr id="12" name="Ink 11">
+                  <a:extLst>
+                    <a:ext uri="{FF2B5EF4-FFF2-40B4-BE49-F238E27FC236}">
+                      <a16:creationId xmlns:a16="http://schemas.microsoft.com/office/drawing/2014/main" id="{7942B81E-A166-4D7E-8B6C-681FD843B97C}"/>
+                    </a:ext>
+                  </a:extLst>
+                </p14:cNvPr>
+                <p14:cNvContentPartPr/>
+                <p14:nvPr/>
+              </p14:nvContentPartPr>
+              <p14:xfrm>
+                <a:off x="4819957" y="1148510"/>
+                <a:ext cx="360" cy="360"/>
+              </p14:xfrm>
+            </p:contentPart>
+          </mc:Choice>
+          <mc:Fallback xmlns="">
+            <p:pic>
+              <p:nvPicPr>
+                <p:cNvPr id="12" name="Ink 11">
+                  <a:extLst>
+                    <a:ext uri="{FF2B5EF4-FFF2-40B4-BE49-F238E27FC236}">
+                      <a16:creationId xmlns:a16="http://schemas.microsoft.com/office/drawing/2014/main" id="{7942B81E-A166-4D7E-8B6C-681FD843B97C}"/>
+                    </a:ext>
+                  </a:extLst>
+                </p:cNvPr>
+                <p:cNvPicPr/>
+                <p:nvPr/>
+              </p:nvPicPr>
+              <p:blipFill>
+                <a:blip r:embed="rId3"/>
+                <a:stretch>
+                  <a:fillRect/>
+                </a:stretch>
+              </p:blipFill>
+              <p:spPr>
+                <a:xfrm>
+                  <a:off x="4815637" y="1144190"/>
+                  <a:ext cx="9000" cy="9000"/>
+                </a:xfrm>
+                <a:prstGeom prst="rect">
+                  <a:avLst/>
+                </a:prstGeom>
+              </p:spPr>
+            </p:pic>
+          </mc:Fallback>
+        </mc:AlternateContent>
+        <mc:AlternateContent xmlns:mc="http://schemas.openxmlformats.org/markup-compatibility/2006" xmlns:p14="http://schemas.microsoft.com/office/powerpoint/2010/main">
+          <mc:Choice Requires="p14">
+            <p:contentPart p14:bwMode="auto" r:id="rId11">
+              <p14:nvContentPartPr>
+                <p14:cNvPr id="13" name="Ink 12">
+                  <a:extLst>
+                    <a:ext uri="{FF2B5EF4-FFF2-40B4-BE49-F238E27FC236}">
+                      <a16:creationId xmlns:a16="http://schemas.microsoft.com/office/drawing/2014/main" id="{C6A5C077-F50C-48B6-9C7C-36BDBB8518BD}"/>
+                    </a:ext>
+                  </a:extLst>
+                </p14:cNvPr>
+                <p14:cNvContentPartPr/>
+                <p14:nvPr/>
+              </p14:nvContentPartPr>
+              <p14:xfrm>
+                <a:off x="4819957" y="1148510"/>
+                <a:ext cx="360" cy="360"/>
+              </p14:xfrm>
+            </p:contentPart>
+          </mc:Choice>
+          <mc:Fallback xmlns="">
+            <p:pic>
+              <p:nvPicPr>
+                <p:cNvPr id="13" name="Ink 12">
+                  <a:extLst>
+                    <a:ext uri="{FF2B5EF4-FFF2-40B4-BE49-F238E27FC236}">
+                      <a16:creationId xmlns:a16="http://schemas.microsoft.com/office/drawing/2014/main" id="{C6A5C077-F50C-48B6-9C7C-36BDBB8518BD}"/>
+                    </a:ext>
+                  </a:extLst>
+                </p:cNvPr>
+                <p:cNvPicPr/>
+                <p:nvPr/>
+              </p:nvPicPr>
+              <p:blipFill>
+                <a:blip r:embed="rId3"/>
+                <a:stretch>
+                  <a:fillRect/>
+                </a:stretch>
+              </p:blipFill>
+              <p:spPr>
+                <a:xfrm>
+                  <a:off x="4815637" y="1144190"/>
+                  <a:ext cx="9000" cy="9000"/>
+                </a:xfrm>
+                <a:prstGeom prst="rect">
+                  <a:avLst/>
+                </a:prstGeom>
+              </p:spPr>
+            </p:pic>
+          </mc:Fallback>
+        </mc:AlternateContent>
+      </p:grpSp>
+      <mc:AlternateContent xmlns:mc="http://schemas.openxmlformats.org/markup-compatibility/2006" xmlns:p14="http://schemas.microsoft.com/office/powerpoint/2010/main">
+        <mc:Choice Requires="p14">
+          <p:contentPart p14:bwMode="auto" r:id="rId12">
+            <p14:nvContentPartPr>
+              <p14:cNvPr id="14" name="Ink 13">
+                <a:extLst>
+                  <a:ext uri="{FF2B5EF4-FFF2-40B4-BE49-F238E27FC236}">
+                    <a16:creationId xmlns:a16="http://schemas.microsoft.com/office/drawing/2014/main" id="{BCDE446F-14E2-4DAD-B7A8-B52773CB4EDC}"/>
+                  </a:ext>
+                </a:extLst>
+              </p14:cNvPr>
+              <p14:cNvContentPartPr/>
+              <p14:nvPr/>
+            </p14:nvContentPartPr>
+            <p14:xfrm>
+              <a:off x="5031277" y="1253990"/>
+              <a:ext cx="360" cy="360"/>
+            </p14:xfrm>
+          </p:contentPart>
+        </mc:Choice>
+        <mc:Fallback xmlns="">
+          <p:pic>
+            <p:nvPicPr>
+              <p:cNvPr id="14" name="Ink 13">
+                <a:extLst>
+                  <a:ext uri="{FF2B5EF4-FFF2-40B4-BE49-F238E27FC236}">
+                    <a16:creationId xmlns:a16="http://schemas.microsoft.com/office/drawing/2014/main" id="{BCDE446F-14E2-4DAD-B7A8-B52773CB4EDC}"/>
+                  </a:ext>
+                </a:extLst>
+              </p:cNvPr>
+              <p:cNvPicPr/>
+              <p:nvPr/>
+            </p:nvPicPr>
+            <p:blipFill>
+              <a:blip r:embed="rId3"/>
+              <a:stretch>
+                <a:fillRect/>
+              </a:stretch>
+            </p:blipFill>
+            <p:spPr>
+              <a:xfrm>
+                <a:off x="5026957" y="1249670"/>
+                <a:ext cx="9000" cy="9000"/>
+              </a:xfrm>
+              <a:prstGeom prst="rect">
+                <a:avLst/>
+              </a:prstGeom>
+            </p:spPr>
+          </p:pic>
+        </mc:Fallback>
+      </mc:AlternateContent>
+      <mc:AlternateContent xmlns:mc="http://schemas.openxmlformats.org/markup-compatibility/2006" xmlns:p14="http://schemas.microsoft.com/office/powerpoint/2010/main">
+        <mc:Choice Requires="p14">
+          <p:contentPart p14:bwMode="auto" r:id="rId13">
+            <p14:nvContentPartPr>
+              <p14:cNvPr id="15" name="Ink 14">
+                <a:extLst>
+                  <a:ext uri="{FF2B5EF4-FFF2-40B4-BE49-F238E27FC236}">
+                    <a16:creationId xmlns:a16="http://schemas.microsoft.com/office/drawing/2014/main" id="{A77CD349-05B8-42EC-8B79-85FCDF527481}"/>
+                  </a:ext>
+                </a:extLst>
+              </p14:cNvPr>
+              <p14:cNvContentPartPr/>
+              <p14:nvPr/>
+            </p14:nvContentPartPr>
+            <p14:xfrm>
+              <a:off x="5031277" y="1230950"/>
+              <a:ext cx="360" cy="360"/>
+            </p14:xfrm>
+          </p:contentPart>
+        </mc:Choice>
+        <mc:Fallback xmlns="">
+          <p:pic>
+            <p:nvPicPr>
+              <p:cNvPr id="15" name="Ink 14">
+                <a:extLst>
+                  <a:ext uri="{FF2B5EF4-FFF2-40B4-BE49-F238E27FC236}">
+                    <a16:creationId xmlns:a16="http://schemas.microsoft.com/office/drawing/2014/main" id="{A77CD349-05B8-42EC-8B79-85FCDF527481}"/>
+                  </a:ext>
+                </a:extLst>
+              </p:cNvPr>
+              <p:cNvPicPr/>
+              <p:nvPr/>
+            </p:nvPicPr>
+            <p:blipFill>
+              <a:blip r:embed="rId3"/>
+              <a:stretch>
+                <a:fillRect/>
+              </a:stretch>
+            </p:blipFill>
+            <p:spPr>
+              <a:xfrm>
+                <a:off x="5026957" y="1226630"/>
+                <a:ext cx="9000" cy="9000"/>
+              </a:xfrm>
+              <a:prstGeom prst="rect">
+                <a:avLst/>
+              </a:prstGeom>
+            </p:spPr>
+          </p:pic>
+        </mc:Fallback>
+      </mc:AlternateContent>
+      <p:grpSp>
+        <p:nvGrpSpPr>
+          <p:cNvPr id="22" name="Group 21">
+            <a:extLst>
+              <a:ext uri="{FF2B5EF4-FFF2-40B4-BE49-F238E27FC236}">
+                <a16:creationId xmlns:a16="http://schemas.microsoft.com/office/drawing/2014/main" id="{69324A40-B12E-4BDF-A720-76338D37A57E}"/>
+              </a:ext>
+            </a:extLst>
+          </p:cNvPr>
+          <p:cNvGrpSpPr/>
+          <p:nvPr/>
+        </p:nvGrpSpPr>
+        <p:grpSpPr>
+          <a:xfrm>
+            <a:off x="5017237" y="1194230"/>
+            <a:ext cx="360" cy="360"/>
+            <a:chOff x="5017237" y="1194230"/>
+            <a:chExt cx="360" cy="360"/>
+          </a:xfrm>
+        </p:grpSpPr>
+        <mc:AlternateContent xmlns:mc="http://schemas.openxmlformats.org/markup-compatibility/2006" xmlns:p14="http://schemas.microsoft.com/office/powerpoint/2010/main">
+          <mc:Choice Requires="p14">
+            <p:contentPart p14:bwMode="auto" r:id="rId14">
+              <p14:nvContentPartPr>
+                <p14:cNvPr id="16" name="Ink 15">
+                  <a:extLst>
+                    <a:ext uri="{FF2B5EF4-FFF2-40B4-BE49-F238E27FC236}">
+                      <a16:creationId xmlns:a16="http://schemas.microsoft.com/office/drawing/2014/main" id="{8F0C58B7-349D-47C1-BACB-DFA67E2AE9CD}"/>
+                    </a:ext>
+                  </a:extLst>
+                </p14:cNvPr>
+                <p14:cNvContentPartPr/>
+                <p14:nvPr/>
+              </p14:nvContentPartPr>
+              <p14:xfrm>
+                <a:off x="5017237" y="1194230"/>
+                <a:ext cx="360" cy="360"/>
+              </p14:xfrm>
+            </p:contentPart>
+          </mc:Choice>
+          <mc:Fallback xmlns="">
+            <p:pic>
+              <p:nvPicPr>
+                <p:cNvPr id="16" name="Ink 15">
+                  <a:extLst>
+                    <a:ext uri="{FF2B5EF4-FFF2-40B4-BE49-F238E27FC236}">
+                      <a16:creationId xmlns:a16="http://schemas.microsoft.com/office/drawing/2014/main" id="{8F0C58B7-349D-47C1-BACB-DFA67E2AE9CD}"/>
+                    </a:ext>
+                  </a:extLst>
+                </p:cNvPr>
+                <p:cNvPicPr/>
+                <p:nvPr/>
+              </p:nvPicPr>
+              <p:blipFill>
+                <a:blip r:embed="rId3"/>
+                <a:stretch>
+                  <a:fillRect/>
+                </a:stretch>
+              </p:blipFill>
+              <p:spPr>
+                <a:xfrm>
+                  <a:off x="5012917" y="1189910"/>
+                  <a:ext cx="9000" cy="9000"/>
+                </a:xfrm>
+                <a:prstGeom prst="rect">
+                  <a:avLst/>
+                </a:prstGeom>
+              </p:spPr>
+            </p:pic>
+          </mc:Fallback>
+        </mc:AlternateContent>
+        <mc:AlternateContent xmlns:mc="http://schemas.openxmlformats.org/markup-compatibility/2006" xmlns:p14="http://schemas.microsoft.com/office/powerpoint/2010/main">
+          <mc:Choice Requires="p14">
+            <p:contentPart p14:bwMode="auto" r:id="rId15">
+              <p14:nvContentPartPr>
+                <p14:cNvPr id="17" name="Ink 16">
+                  <a:extLst>
+                    <a:ext uri="{FF2B5EF4-FFF2-40B4-BE49-F238E27FC236}">
+                      <a16:creationId xmlns:a16="http://schemas.microsoft.com/office/drawing/2014/main" id="{A9C41F89-7BA1-4E4C-8A9D-7B3D3B7E8575}"/>
+                    </a:ext>
+                  </a:extLst>
+                </p14:cNvPr>
+                <p14:cNvContentPartPr/>
+                <p14:nvPr/>
+              </p14:nvContentPartPr>
+              <p14:xfrm>
+                <a:off x="5017237" y="1194230"/>
+                <a:ext cx="360" cy="360"/>
+              </p14:xfrm>
+            </p:contentPart>
+          </mc:Choice>
+          <mc:Fallback xmlns="">
+            <p:pic>
+              <p:nvPicPr>
+                <p:cNvPr id="17" name="Ink 16">
+                  <a:extLst>
+                    <a:ext uri="{FF2B5EF4-FFF2-40B4-BE49-F238E27FC236}">
+                      <a16:creationId xmlns:a16="http://schemas.microsoft.com/office/drawing/2014/main" id="{A9C41F89-7BA1-4E4C-8A9D-7B3D3B7E8575}"/>
+                    </a:ext>
+                  </a:extLst>
+                </p:cNvPr>
+                <p:cNvPicPr/>
+                <p:nvPr/>
+              </p:nvPicPr>
+              <p:blipFill>
+                <a:blip r:embed="rId3"/>
+                <a:stretch>
+                  <a:fillRect/>
+                </a:stretch>
+              </p:blipFill>
+              <p:spPr>
+                <a:xfrm>
+                  <a:off x="5012917" y="1189910"/>
+                  <a:ext cx="9000" cy="9000"/>
+                </a:xfrm>
+                <a:prstGeom prst="rect">
+                  <a:avLst/>
+                </a:prstGeom>
+              </p:spPr>
+            </p:pic>
+          </mc:Fallback>
+        </mc:AlternateContent>
+        <mc:AlternateContent xmlns:mc="http://schemas.openxmlformats.org/markup-compatibility/2006" xmlns:p14="http://schemas.microsoft.com/office/powerpoint/2010/main">
+          <mc:Choice Requires="p14">
+            <p:contentPart p14:bwMode="auto" r:id="rId16">
+              <p14:nvContentPartPr>
+                <p14:cNvPr id="18" name="Ink 17">
+                  <a:extLst>
+                    <a:ext uri="{FF2B5EF4-FFF2-40B4-BE49-F238E27FC236}">
+                      <a16:creationId xmlns:a16="http://schemas.microsoft.com/office/drawing/2014/main" id="{A0EB2785-508B-4587-94F7-E0827AB494D1}"/>
+                    </a:ext>
+                  </a:extLst>
+                </p14:cNvPr>
+                <p14:cNvContentPartPr/>
+                <p14:nvPr/>
+              </p14:nvContentPartPr>
+              <p14:xfrm>
+                <a:off x="5017237" y="1194230"/>
+                <a:ext cx="360" cy="360"/>
+              </p14:xfrm>
+            </p:contentPart>
+          </mc:Choice>
+          <mc:Fallback xmlns="">
+            <p:pic>
+              <p:nvPicPr>
+                <p:cNvPr id="18" name="Ink 17">
+                  <a:extLst>
+                    <a:ext uri="{FF2B5EF4-FFF2-40B4-BE49-F238E27FC236}">
+                      <a16:creationId xmlns:a16="http://schemas.microsoft.com/office/drawing/2014/main" id="{A0EB2785-508B-4587-94F7-E0827AB494D1}"/>
+                    </a:ext>
+                  </a:extLst>
+                </p:cNvPr>
+                <p:cNvPicPr/>
+                <p:nvPr/>
+              </p:nvPicPr>
+              <p:blipFill>
+                <a:blip r:embed="rId3"/>
+                <a:stretch>
+                  <a:fillRect/>
+                </a:stretch>
+              </p:blipFill>
+              <p:spPr>
+                <a:xfrm>
+                  <a:off x="5012917" y="1189910"/>
+                  <a:ext cx="9000" cy="9000"/>
+                </a:xfrm>
+                <a:prstGeom prst="rect">
+                  <a:avLst/>
+                </a:prstGeom>
+              </p:spPr>
+            </p:pic>
+          </mc:Fallback>
+        </mc:AlternateContent>
+        <mc:AlternateContent xmlns:mc="http://schemas.openxmlformats.org/markup-compatibility/2006" xmlns:p14="http://schemas.microsoft.com/office/powerpoint/2010/main">
+          <mc:Choice Requires="p14">
+            <p:contentPart p14:bwMode="auto" r:id="rId17">
+              <p14:nvContentPartPr>
+                <p14:cNvPr id="19" name="Ink 18">
+                  <a:extLst>
+                    <a:ext uri="{FF2B5EF4-FFF2-40B4-BE49-F238E27FC236}">
+                      <a16:creationId xmlns:a16="http://schemas.microsoft.com/office/drawing/2014/main" id="{A6382AC8-B61E-444B-B9B3-F0294C7212A6}"/>
+                    </a:ext>
+                  </a:extLst>
+                </p14:cNvPr>
+                <p14:cNvContentPartPr/>
+                <p14:nvPr/>
+              </p14:nvContentPartPr>
+              <p14:xfrm>
+                <a:off x="5017237" y="1194230"/>
+                <a:ext cx="360" cy="360"/>
+              </p14:xfrm>
+            </p:contentPart>
+          </mc:Choice>
+          <mc:Fallback xmlns="">
+            <p:pic>
+              <p:nvPicPr>
+                <p:cNvPr id="19" name="Ink 18">
+                  <a:extLst>
+                    <a:ext uri="{FF2B5EF4-FFF2-40B4-BE49-F238E27FC236}">
+                      <a16:creationId xmlns:a16="http://schemas.microsoft.com/office/drawing/2014/main" id="{A6382AC8-B61E-444B-B9B3-F0294C7212A6}"/>
+                    </a:ext>
+                  </a:extLst>
+                </p:cNvPr>
+                <p:cNvPicPr/>
+                <p:nvPr/>
+              </p:nvPicPr>
+              <p:blipFill>
+                <a:blip r:embed="rId3"/>
+                <a:stretch>
+                  <a:fillRect/>
+                </a:stretch>
+              </p:blipFill>
+              <p:spPr>
+                <a:xfrm>
+                  <a:off x="5012917" y="1189910"/>
+                  <a:ext cx="9000" cy="9000"/>
+                </a:xfrm>
+                <a:prstGeom prst="rect">
+                  <a:avLst/>
+                </a:prstGeom>
+              </p:spPr>
+            </p:pic>
+          </mc:Fallback>
+        </mc:AlternateContent>
+        <mc:AlternateContent xmlns:mc="http://schemas.openxmlformats.org/markup-compatibility/2006" xmlns:p14="http://schemas.microsoft.com/office/powerpoint/2010/main">
+          <mc:Choice Requires="p14">
+            <p:contentPart p14:bwMode="auto" r:id="rId18">
+              <p14:nvContentPartPr>
+                <p14:cNvPr id="20" name="Ink 19">
+                  <a:extLst>
+                    <a:ext uri="{FF2B5EF4-FFF2-40B4-BE49-F238E27FC236}">
+                      <a16:creationId xmlns:a16="http://schemas.microsoft.com/office/drawing/2014/main" id="{F818E9C4-B9D1-46C7-8345-11288D3AE1F2}"/>
+                    </a:ext>
+                  </a:extLst>
+                </p14:cNvPr>
+                <p14:cNvContentPartPr/>
+                <p14:nvPr/>
+              </p14:nvContentPartPr>
+              <p14:xfrm>
+                <a:off x="5017237" y="1194230"/>
+                <a:ext cx="360" cy="360"/>
+              </p14:xfrm>
+            </p:contentPart>
+          </mc:Choice>
+          <mc:Fallback xmlns="">
+            <p:pic>
+              <p:nvPicPr>
+                <p:cNvPr id="20" name="Ink 19">
+                  <a:extLst>
+                    <a:ext uri="{FF2B5EF4-FFF2-40B4-BE49-F238E27FC236}">
+                      <a16:creationId xmlns:a16="http://schemas.microsoft.com/office/drawing/2014/main" id="{F818E9C4-B9D1-46C7-8345-11288D3AE1F2}"/>
+                    </a:ext>
+                  </a:extLst>
+                </p:cNvPr>
+                <p:cNvPicPr/>
+                <p:nvPr/>
+              </p:nvPicPr>
+              <p:blipFill>
+                <a:blip r:embed="rId3"/>
+                <a:stretch>
+                  <a:fillRect/>
+                </a:stretch>
+              </p:blipFill>
+              <p:spPr>
+                <a:xfrm>
+                  <a:off x="5012917" y="1189910"/>
+                  <a:ext cx="9000" cy="9000"/>
+                </a:xfrm>
+                <a:prstGeom prst="rect">
+                  <a:avLst/>
+                </a:prstGeom>
+              </p:spPr>
+            </p:pic>
+          </mc:Fallback>
+        </mc:AlternateContent>
+        <mc:AlternateContent xmlns:mc="http://schemas.openxmlformats.org/markup-compatibility/2006" xmlns:p14="http://schemas.microsoft.com/office/powerpoint/2010/main">
+          <mc:Choice Requires="p14">
+            <p:contentPart p14:bwMode="auto" r:id="rId19">
+              <p14:nvContentPartPr>
+                <p14:cNvPr id="21" name="Ink 20">
+                  <a:extLst>
+                    <a:ext uri="{FF2B5EF4-FFF2-40B4-BE49-F238E27FC236}">
+                      <a16:creationId xmlns:a16="http://schemas.microsoft.com/office/drawing/2014/main" id="{6D010381-60EB-41DA-9F8B-A7E38C05F369}"/>
+                    </a:ext>
+                  </a:extLst>
+                </p14:cNvPr>
+                <p14:cNvContentPartPr/>
+                <p14:nvPr/>
+              </p14:nvContentPartPr>
+              <p14:xfrm>
+                <a:off x="5017237" y="1194230"/>
+                <a:ext cx="360" cy="360"/>
+              </p14:xfrm>
+            </p:contentPart>
+          </mc:Choice>
+          <mc:Fallback xmlns="">
+            <p:pic>
+              <p:nvPicPr>
+                <p:cNvPr id="21" name="Ink 20">
+                  <a:extLst>
+                    <a:ext uri="{FF2B5EF4-FFF2-40B4-BE49-F238E27FC236}">
+                      <a16:creationId xmlns:a16="http://schemas.microsoft.com/office/drawing/2014/main" id="{6D010381-60EB-41DA-9F8B-A7E38C05F369}"/>
+                    </a:ext>
+                  </a:extLst>
+                </p:cNvPr>
+                <p:cNvPicPr/>
+                <p:nvPr/>
+              </p:nvPicPr>
+              <p:blipFill>
+                <a:blip r:embed="rId3"/>
+                <a:stretch>
+                  <a:fillRect/>
+                </a:stretch>
+              </p:blipFill>
+              <p:spPr>
+                <a:xfrm>
+                  <a:off x="5012917" y="1189910"/>
+                  <a:ext cx="9000" cy="9000"/>
+                </a:xfrm>
+                <a:prstGeom prst="rect">
+                  <a:avLst/>
+                </a:prstGeom>
+              </p:spPr>
+            </p:pic>
+          </mc:Fallback>
+        </mc:AlternateContent>
+      </p:grpSp>
+      <mc:AlternateContent xmlns:mc="http://schemas.openxmlformats.org/markup-compatibility/2006" xmlns:p14="http://schemas.microsoft.com/office/powerpoint/2010/main">
+        <mc:Choice Requires="p14">
+          <p:contentPart p14:bwMode="auto" r:id="rId20">
+            <p14:nvContentPartPr>
+              <p14:cNvPr id="24" name="Ink 23">
+                <a:extLst>
+                  <a:ext uri="{FF2B5EF4-FFF2-40B4-BE49-F238E27FC236}">
+                    <a16:creationId xmlns:a16="http://schemas.microsoft.com/office/drawing/2014/main" id="{CDD23262-E6EB-4EDD-8AF7-CEB83DCD7FE3}"/>
+                  </a:ext>
+                </a:extLst>
+              </p14:cNvPr>
+              <p14:cNvContentPartPr/>
+              <p14:nvPr/>
+            </p14:nvContentPartPr>
+            <p14:xfrm>
+              <a:off x="1676797" y="2278550"/>
+              <a:ext cx="360" cy="360"/>
+            </p14:xfrm>
+          </p:contentPart>
+        </mc:Choice>
+        <mc:Fallback xmlns="">
+          <p:pic>
+            <p:nvPicPr>
+              <p:cNvPr id="24" name="Ink 23">
+                <a:extLst>
+                  <a:ext uri="{FF2B5EF4-FFF2-40B4-BE49-F238E27FC236}">
+                    <a16:creationId xmlns:a16="http://schemas.microsoft.com/office/drawing/2014/main" id="{CDD23262-E6EB-4EDD-8AF7-CEB83DCD7FE3}"/>
+                  </a:ext>
+                </a:extLst>
+              </p:cNvPr>
+              <p:cNvPicPr/>
+              <p:nvPr/>
+            </p:nvPicPr>
+            <p:blipFill>
+              <a:blip r:embed="rId3"/>
+              <a:stretch>
+                <a:fillRect/>
+              </a:stretch>
+            </p:blipFill>
+            <p:spPr>
+              <a:xfrm>
+                <a:off x="1672477" y="2274230"/>
+                <a:ext cx="9000" cy="9000"/>
+              </a:xfrm>
+              <a:prstGeom prst="rect">
+                <a:avLst/>
+              </a:prstGeom>
+            </p:spPr>
+          </p:pic>
+        </mc:Fallback>
+      </mc:AlternateContent>
+      <mc:AlternateContent xmlns:mc="http://schemas.openxmlformats.org/markup-compatibility/2006" xmlns:p14="http://schemas.microsoft.com/office/powerpoint/2010/main">
+        <mc:Choice Requires="p14">
+          <p:contentPart p14:bwMode="auto" r:id="rId21">
+            <p14:nvContentPartPr>
+              <p14:cNvPr id="25" name="Ink 24">
+                <a:extLst>
+                  <a:ext uri="{FF2B5EF4-FFF2-40B4-BE49-F238E27FC236}">
+                    <a16:creationId xmlns:a16="http://schemas.microsoft.com/office/drawing/2014/main" id="{CD683348-455B-4748-BCBE-E0D1832E088E}"/>
+                  </a:ext>
+                </a:extLst>
+              </p14:cNvPr>
+              <p14:cNvContentPartPr/>
+              <p14:nvPr/>
+            </p14:nvContentPartPr>
+            <p14:xfrm>
+              <a:off x="3666157" y="2067590"/>
+              <a:ext cx="360" cy="360"/>
+            </p14:xfrm>
+          </p:contentPart>
+        </mc:Choice>
+        <mc:Fallback xmlns="">
+          <p:pic>
+            <p:nvPicPr>
+              <p:cNvPr id="25" name="Ink 24">
+                <a:extLst>
+                  <a:ext uri="{FF2B5EF4-FFF2-40B4-BE49-F238E27FC236}">
+                    <a16:creationId xmlns:a16="http://schemas.microsoft.com/office/drawing/2014/main" id="{CD683348-455B-4748-BCBE-E0D1832E088E}"/>
+                  </a:ext>
+                </a:extLst>
+              </p:cNvPr>
+              <p:cNvPicPr/>
+              <p:nvPr/>
+            </p:nvPicPr>
+            <p:blipFill>
+              <a:blip r:embed="rId3"/>
+              <a:stretch>
+                <a:fillRect/>
+              </a:stretch>
+            </p:blipFill>
+            <p:spPr>
+              <a:xfrm>
+                <a:off x="3661837" y="2063270"/>
+                <a:ext cx="9000" cy="9000"/>
+              </a:xfrm>
+              <a:prstGeom prst="rect">
+                <a:avLst/>
+              </a:prstGeom>
+            </p:spPr>
+          </p:pic>
+        </mc:Fallback>
+      </mc:AlternateContent>
+      <p:grpSp>
+        <p:nvGrpSpPr>
+          <p:cNvPr id="37" name="Group 36">
+            <a:extLst>
+              <a:ext uri="{FF2B5EF4-FFF2-40B4-BE49-F238E27FC236}">
+                <a16:creationId xmlns:a16="http://schemas.microsoft.com/office/drawing/2014/main" id="{3204015E-61FB-4582-874A-1CC7476E8B15}"/>
+              </a:ext>
+            </a:extLst>
+          </p:cNvPr>
+          <p:cNvGrpSpPr/>
+          <p:nvPr/>
+        </p:nvGrpSpPr>
+        <p:grpSpPr>
+          <a:xfrm>
+            <a:off x="5104717" y="1189550"/>
+            <a:ext cx="360" cy="360"/>
+            <a:chOff x="5104717" y="1189550"/>
+            <a:chExt cx="360" cy="360"/>
+          </a:xfrm>
+        </p:grpSpPr>
+        <mc:AlternateContent xmlns:mc="http://schemas.openxmlformats.org/markup-compatibility/2006" xmlns:p14="http://schemas.microsoft.com/office/powerpoint/2010/main">
+          <mc:Choice Requires="p14">
+            <p:contentPart p14:bwMode="auto" r:id="rId22">
+              <p14:nvContentPartPr>
+                <p14:cNvPr id="26" name="Ink 25">
+                  <a:extLst>
+                    <a:ext uri="{FF2B5EF4-FFF2-40B4-BE49-F238E27FC236}">
+                      <a16:creationId xmlns:a16="http://schemas.microsoft.com/office/drawing/2014/main" id="{7533AE8C-21DB-4A38-B562-B95FF056AA81}"/>
+                    </a:ext>
+                  </a:extLst>
+                </p14:cNvPr>
+                <p14:cNvContentPartPr/>
+                <p14:nvPr/>
+              </p14:nvContentPartPr>
+              <p14:xfrm>
+                <a:off x="5104717" y="1189550"/>
+                <a:ext cx="360" cy="360"/>
+              </p14:xfrm>
+            </p:contentPart>
+          </mc:Choice>
+          <mc:Fallback xmlns="">
+            <p:pic>
+              <p:nvPicPr>
+                <p:cNvPr id="26" name="Ink 25">
+                  <a:extLst>
+                    <a:ext uri="{FF2B5EF4-FFF2-40B4-BE49-F238E27FC236}">
+                      <a16:creationId xmlns:a16="http://schemas.microsoft.com/office/drawing/2014/main" id="{7533AE8C-21DB-4A38-B562-B95FF056AA81}"/>
+                    </a:ext>
+                  </a:extLst>
+                </p:cNvPr>
+                <p:cNvPicPr/>
+                <p:nvPr/>
+              </p:nvPicPr>
+              <p:blipFill>
+                <a:blip r:embed="rId3"/>
+                <a:stretch>
+                  <a:fillRect/>
+                </a:stretch>
+              </p:blipFill>
+              <p:spPr>
+                <a:xfrm>
+                  <a:off x="5100397" y="1185230"/>
+                  <a:ext cx="9000" cy="9000"/>
+                </a:xfrm>
+                <a:prstGeom prst="rect">
+                  <a:avLst/>
+                </a:prstGeom>
+              </p:spPr>
+            </p:pic>
+          </mc:Fallback>
+        </mc:AlternateContent>
+        <mc:AlternateContent xmlns:mc="http://schemas.openxmlformats.org/markup-compatibility/2006" xmlns:p14="http://schemas.microsoft.com/office/powerpoint/2010/main">
+          <mc:Choice Requires="p14">
+            <p:contentPart p14:bwMode="auto" r:id="rId23">
+              <p14:nvContentPartPr>
+                <p14:cNvPr id="27" name="Ink 26">
+                  <a:extLst>
+                    <a:ext uri="{FF2B5EF4-FFF2-40B4-BE49-F238E27FC236}">
+                      <a16:creationId xmlns:a16="http://schemas.microsoft.com/office/drawing/2014/main" id="{67D4A0D1-0015-48D6-9F21-9947D19B17CE}"/>
+                    </a:ext>
+                  </a:extLst>
+                </p14:cNvPr>
+                <p14:cNvContentPartPr/>
+                <p14:nvPr/>
+              </p14:nvContentPartPr>
+              <p14:xfrm>
+                <a:off x="5104717" y="1189550"/>
+                <a:ext cx="360" cy="360"/>
+              </p14:xfrm>
+            </p:contentPart>
+          </mc:Choice>
+          <mc:Fallback xmlns="">
+            <p:pic>
+              <p:nvPicPr>
+                <p:cNvPr id="27" name="Ink 26">
+                  <a:extLst>
+                    <a:ext uri="{FF2B5EF4-FFF2-40B4-BE49-F238E27FC236}">
+                      <a16:creationId xmlns:a16="http://schemas.microsoft.com/office/drawing/2014/main" id="{67D4A0D1-0015-48D6-9F21-9947D19B17CE}"/>
+                    </a:ext>
+                  </a:extLst>
+                </p:cNvPr>
+                <p:cNvPicPr/>
+                <p:nvPr/>
+              </p:nvPicPr>
+              <p:blipFill>
+                <a:blip r:embed="rId3"/>
+                <a:stretch>
+                  <a:fillRect/>
+                </a:stretch>
+              </p:blipFill>
+              <p:spPr>
+                <a:xfrm>
+                  <a:off x="5100397" y="1185230"/>
+                  <a:ext cx="9000" cy="9000"/>
+                </a:xfrm>
+                <a:prstGeom prst="rect">
+                  <a:avLst/>
+                </a:prstGeom>
+              </p:spPr>
+            </p:pic>
+          </mc:Fallback>
+        </mc:AlternateContent>
+      </p:grpSp>
+      <p:grpSp>
+        <p:nvGrpSpPr>
+          <p:cNvPr id="40" name="Group 39">
+            <a:extLst>
+              <a:ext uri="{FF2B5EF4-FFF2-40B4-BE49-F238E27FC236}">
+                <a16:creationId xmlns:a16="http://schemas.microsoft.com/office/drawing/2014/main" id="{184020A2-F07B-4732-8FF8-C2BD71BCDA90}"/>
+              </a:ext>
+            </a:extLst>
+          </p:cNvPr>
+          <p:cNvGrpSpPr/>
+          <p:nvPr/>
+        </p:nvGrpSpPr>
+        <p:grpSpPr>
+          <a:xfrm>
+            <a:off x="5159797" y="1378190"/>
+            <a:ext cx="360" cy="360"/>
+            <a:chOff x="5159797" y="1378190"/>
+            <a:chExt cx="360" cy="360"/>
+          </a:xfrm>
+        </p:grpSpPr>
+        <mc:AlternateContent xmlns:mc="http://schemas.openxmlformats.org/markup-compatibility/2006" xmlns:p14="http://schemas.microsoft.com/office/powerpoint/2010/main">
+          <mc:Choice Requires="p14">
+            <p:contentPart p14:bwMode="auto" r:id="rId24">
+              <p14:nvContentPartPr>
+                <p14:cNvPr id="28" name="Ink 27">
+                  <a:extLst>
+                    <a:ext uri="{FF2B5EF4-FFF2-40B4-BE49-F238E27FC236}">
+                      <a16:creationId xmlns:a16="http://schemas.microsoft.com/office/drawing/2014/main" id="{168FDD86-0B76-43BC-ABE8-F825B1DFFE3A}"/>
+                    </a:ext>
+                  </a:extLst>
+                </p14:cNvPr>
+                <p14:cNvContentPartPr/>
+                <p14:nvPr/>
+              </p14:nvContentPartPr>
+              <p14:xfrm>
+                <a:off x="5159797" y="1378190"/>
+                <a:ext cx="360" cy="360"/>
+              </p14:xfrm>
+            </p:contentPart>
+          </mc:Choice>
+          <mc:Fallback xmlns="">
+            <p:pic>
+              <p:nvPicPr>
+                <p:cNvPr id="28" name="Ink 27">
+                  <a:extLst>
+                    <a:ext uri="{FF2B5EF4-FFF2-40B4-BE49-F238E27FC236}">
+                      <a16:creationId xmlns:a16="http://schemas.microsoft.com/office/drawing/2014/main" id="{168FDD86-0B76-43BC-ABE8-F825B1DFFE3A}"/>
+                    </a:ext>
+                  </a:extLst>
+                </p:cNvPr>
+                <p:cNvPicPr/>
+                <p:nvPr/>
+              </p:nvPicPr>
+              <p:blipFill>
+                <a:blip r:embed="rId3"/>
+                <a:stretch>
+                  <a:fillRect/>
+                </a:stretch>
+              </p:blipFill>
+              <p:spPr>
+                <a:xfrm>
+                  <a:off x="5155477" y="1373870"/>
+                  <a:ext cx="9000" cy="9000"/>
+                </a:xfrm>
+                <a:prstGeom prst="rect">
+                  <a:avLst/>
+                </a:prstGeom>
+              </p:spPr>
+            </p:pic>
+          </mc:Fallback>
+        </mc:AlternateContent>
+        <mc:AlternateContent xmlns:mc="http://schemas.openxmlformats.org/markup-compatibility/2006" xmlns:p14="http://schemas.microsoft.com/office/powerpoint/2010/main">
+          <mc:Choice Requires="p14">
+            <p:contentPart p14:bwMode="auto" r:id="rId25">
+              <p14:nvContentPartPr>
+                <p14:cNvPr id="29" name="Ink 28">
+                  <a:extLst>
+                    <a:ext uri="{FF2B5EF4-FFF2-40B4-BE49-F238E27FC236}">
+                      <a16:creationId xmlns:a16="http://schemas.microsoft.com/office/drawing/2014/main" id="{351D4284-92BC-4777-A851-4B857C36194D}"/>
+                    </a:ext>
+                  </a:extLst>
+                </p14:cNvPr>
+                <p14:cNvContentPartPr/>
+                <p14:nvPr/>
+              </p14:nvContentPartPr>
+              <p14:xfrm>
+                <a:off x="5159797" y="1378190"/>
+                <a:ext cx="360" cy="360"/>
+              </p14:xfrm>
+            </p:contentPart>
+          </mc:Choice>
+          <mc:Fallback xmlns="">
+            <p:pic>
+              <p:nvPicPr>
+                <p:cNvPr id="29" name="Ink 28">
+                  <a:extLst>
+                    <a:ext uri="{FF2B5EF4-FFF2-40B4-BE49-F238E27FC236}">
+                      <a16:creationId xmlns:a16="http://schemas.microsoft.com/office/drawing/2014/main" id="{351D4284-92BC-4777-A851-4B857C36194D}"/>
+                    </a:ext>
+                  </a:extLst>
+                </p:cNvPr>
+                <p:cNvPicPr/>
+                <p:nvPr/>
+              </p:nvPicPr>
+              <p:blipFill>
+                <a:blip r:embed="rId3"/>
+                <a:stretch>
+                  <a:fillRect/>
+                </a:stretch>
+              </p:blipFill>
+              <p:spPr>
+                <a:xfrm>
+                  <a:off x="5155477" y="1373870"/>
+                  <a:ext cx="9000" cy="9000"/>
+                </a:xfrm>
+                <a:prstGeom prst="rect">
+                  <a:avLst/>
+                </a:prstGeom>
+              </p:spPr>
+            </p:pic>
+          </mc:Fallback>
+        </mc:AlternateContent>
+        <mc:AlternateContent xmlns:mc="http://schemas.openxmlformats.org/markup-compatibility/2006" xmlns:p14="http://schemas.microsoft.com/office/powerpoint/2010/main">
+          <mc:Choice Requires="p14">
+            <p:contentPart p14:bwMode="auto" r:id="rId26">
+              <p14:nvContentPartPr>
+                <p14:cNvPr id="30" name="Ink 29">
+                  <a:extLst>
+                    <a:ext uri="{FF2B5EF4-FFF2-40B4-BE49-F238E27FC236}">
+                      <a16:creationId xmlns:a16="http://schemas.microsoft.com/office/drawing/2014/main" id="{14029C63-B9BF-4280-8F1F-5AE2D79D78B0}"/>
+                    </a:ext>
+                  </a:extLst>
+                </p14:cNvPr>
+                <p14:cNvContentPartPr/>
+                <p14:nvPr/>
+              </p14:nvContentPartPr>
+              <p14:xfrm>
+                <a:off x="5159797" y="1378190"/>
+                <a:ext cx="360" cy="360"/>
+              </p14:xfrm>
+            </p:contentPart>
+          </mc:Choice>
+          <mc:Fallback xmlns="">
+            <p:pic>
+              <p:nvPicPr>
+                <p:cNvPr id="30" name="Ink 29">
+                  <a:extLst>
+                    <a:ext uri="{FF2B5EF4-FFF2-40B4-BE49-F238E27FC236}">
+                      <a16:creationId xmlns:a16="http://schemas.microsoft.com/office/drawing/2014/main" id="{14029C63-B9BF-4280-8F1F-5AE2D79D78B0}"/>
+                    </a:ext>
+                  </a:extLst>
+                </p:cNvPr>
+                <p:cNvPicPr/>
+                <p:nvPr/>
+              </p:nvPicPr>
+              <p:blipFill>
+                <a:blip r:embed="rId3"/>
+                <a:stretch>
+                  <a:fillRect/>
+                </a:stretch>
+              </p:blipFill>
+              <p:spPr>
+                <a:xfrm>
+                  <a:off x="5155477" y="1373870"/>
+                  <a:ext cx="9000" cy="9000"/>
+                </a:xfrm>
+                <a:prstGeom prst="rect">
+                  <a:avLst/>
+                </a:prstGeom>
+              </p:spPr>
+            </p:pic>
+          </mc:Fallback>
+        </mc:AlternateContent>
+        <mc:AlternateContent xmlns:mc="http://schemas.openxmlformats.org/markup-compatibility/2006" xmlns:p14="http://schemas.microsoft.com/office/powerpoint/2010/main">
+          <mc:Choice Requires="p14">
+            <p:contentPart p14:bwMode="auto" r:id="rId27">
+              <p14:nvContentPartPr>
+                <p14:cNvPr id="31" name="Ink 30">
+                  <a:extLst>
+                    <a:ext uri="{FF2B5EF4-FFF2-40B4-BE49-F238E27FC236}">
+                      <a16:creationId xmlns:a16="http://schemas.microsoft.com/office/drawing/2014/main" id="{E53E013D-1410-4D99-8BED-E779329512F7}"/>
+                    </a:ext>
+                  </a:extLst>
+                </p14:cNvPr>
+                <p14:cNvContentPartPr/>
+                <p14:nvPr/>
+              </p14:nvContentPartPr>
+              <p14:xfrm>
+                <a:off x="5159797" y="1378190"/>
+                <a:ext cx="360" cy="360"/>
+              </p14:xfrm>
+            </p:contentPart>
+          </mc:Choice>
+          <mc:Fallback xmlns="">
+            <p:pic>
+              <p:nvPicPr>
+                <p:cNvPr id="31" name="Ink 30">
+                  <a:extLst>
+                    <a:ext uri="{FF2B5EF4-FFF2-40B4-BE49-F238E27FC236}">
+                      <a16:creationId xmlns:a16="http://schemas.microsoft.com/office/drawing/2014/main" id="{E53E013D-1410-4D99-8BED-E779329512F7}"/>
+                    </a:ext>
+                  </a:extLst>
+                </p:cNvPr>
+                <p:cNvPicPr/>
+                <p:nvPr/>
+              </p:nvPicPr>
+              <p:blipFill>
+                <a:blip r:embed="rId3"/>
+                <a:stretch>
+                  <a:fillRect/>
+                </a:stretch>
+              </p:blipFill>
+              <p:spPr>
+                <a:xfrm>
+                  <a:off x="5155477" y="1373870"/>
+                  <a:ext cx="9000" cy="9000"/>
+                </a:xfrm>
+                <a:prstGeom prst="rect">
+                  <a:avLst/>
+                </a:prstGeom>
+              </p:spPr>
+            </p:pic>
+          </mc:Fallback>
+        </mc:AlternateContent>
+        <mc:AlternateContent xmlns:mc="http://schemas.openxmlformats.org/markup-compatibility/2006" xmlns:p14="http://schemas.microsoft.com/office/powerpoint/2010/main">
+          <mc:Choice Requires="p14">
+            <p:contentPart p14:bwMode="auto" r:id="rId28">
+              <p14:nvContentPartPr>
+                <p14:cNvPr id="32" name="Ink 31">
+                  <a:extLst>
+                    <a:ext uri="{FF2B5EF4-FFF2-40B4-BE49-F238E27FC236}">
+                      <a16:creationId xmlns:a16="http://schemas.microsoft.com/office/drawing/2014/main" id="{02135985-40C3-4A07-8EB4-1E827CFB84D4}"/>
+                    </a:ext>
+                  </a:extLst>
+                </p14:cNvPr>
+                <p14:cNvContentPartPr/>
+                <p14:nvPr/>
+              </p14:nvContentPartPr>
+              <p14:xfrm>
+                <a:off x="5159797" y="1378190"/>
+                <a:ext cx="360" cy="360"/>
+              </p14:xfrm>
+            </p:contentPart>
+          </mc:Choice>
+          <mc:Fallback xmlns="">
+            <p:pic>
+              <p:nvPicPr>
+                <p:cNvPr id="32" name="Ink 31">
+                  <a:extLst>
+                    <a:ext uri="{FF2B5EF4-FFF2-40B4-BE49-F238E27FC236}">
+                      <a16:creationId xmlns:a16="http://schemas.microsoft.com/office/drawing/2014/main" id="{02135985-40C3-4A07-8EB4-1E827CFB84D4}"/>
+                    </a:ext>
+                  </a:extLst>
+                </p:cNvPr>
+                <p:cNvPicPr/>
+                <p:nvPr/>
+              </p:nvPicPr>
+              <p:blipFill>
+                <a:blip r:embed="rId3"/>
+                <a:stretch>
+                  <a:fillRect/>
+                </a:stretch>
+              </p:blipFill>
+              <p:spPr>
+                <a:xfrm>
+                  <a:off x="5155477" y="1373870"/>
+                  <a:ext cx="9000" cy="9000"/>
+                </a:xfrm>
+                <a:prstGeom prst="rect">
+                  <a:avLst/>
+                </a:prstGeom>
+              </p:spPr>
+            </p:pic>
+          </mc:Fallback>
+        </mc:AlternateContent>
+        <mc:AlternateContent xmlns:mc="http://schemas.openxmlformats.org/markup-compatibility/2006" xmlns:p14="http://schemas.microsoft.com/office/powerpoint/2010/main">
+          <mc:Choice Requires="p14">
+            <p:contentPart p14:bwMode="auto" r:id="rId29">
+              <p14:nvContentPartPr>
+                <p14:cNvPr id="33" name="Ink 32">
+                  <a:extLst>
+                    <a:ext uri="{FF2B5EF4-FFF2-40B4-BE49-F238E27FC236}">
+                      <a16:creationId xmlns:a16="http://schemas.microsoft.com/office/drawing/2014/main" id="{73CDEB66-834A-45C5-8155-BB05C51D575A}"/>
+                    </a:ext>
+                  </a:extLst>
+                </p14:cNvPr>
+                <p14:cNvContentPartPr/>
+                <p14:nvPr/>
+              </p14:nvContentPartPr>
+              <p14:xfrm>
+                <a:off x="5159797" y="1378190"/>
+                <a:ext cx="360" cy="360"/>
+              </p14:xfrm>
+            </p:contentPart>
+          </mc:Choice>
+          <mc:Fallback xmlns="">
+            <p:pic>
+              <p:nvPicPr>
+                <p:cNvPr id="33" name="Ink 32">
+                  <a:extLst>
+                    <a:ext uri="{FF2B5EF4-FFF2-40B4-BE49-F238E27FC236}">
+                      <a16:creationId xmlns:a16="http://schemas.microsoft.com/office/drawing/2014/main" id="{73CDEB66-834A-45C5-8155-BB05C51D575A}"/>
+                    </a:ext>
+                  </a:extLst>
+                </p:cNvPr>
+                <p:cNvPicPr/>
+                <p:nvPr/>
+              </p:nvPicPr>
+              <p:blipFill>
+                <a:blip r:embed="rId3"/>
+                <a:stretch>
+                  <a:fillRect/>
+                </a:stretch>
+              </p:blipFill>
+              <p:spPr>
+                <a:xfrm>
+                  <a:off x="5155477" y="1373870"/>
+                  <a:ext cx="9000" cy="9000"/>
+                </a:xfrm>
+                <a:prstGeom prst="rect">
+                  <a:avLst/>
+                </a:prstGeom>
+              </p:spPr>
+            </p:pic>
+          </mc:Fallback>
+        </mc:AlternateContent>
+        <mc:AlternateContent xmlns:mc="http://schemas.openxmlformats.org/markup-compatibility/2006" xmlns:p14="http://schemas.microsoft.com/office/powerpoint/2010/main">
+          <mc:Choice Requires="p14">
+            <p:contentPart p14:bwMode="auto" r:id="rId30">
+              <p14:nvContentPartPr>
+                <p14:cNvPr id="34" name="Ink 33">
+                  <a:extLst>
+                    <a:ext uri="{FF2B5EF4-FFF2-40B4-BE49-F238E27FC236}">
+                      <a16:creationId xmlns:a16="http://schemas.microsoft.com/office/drawing/2014/main" id="{23EF0C86-B8EC-4A57-BC6E-613DE89E2480}"/>
+                    </a:ext>
+                  </a:extLst>
+                </p14:cNvPr>
+                <p14:cNvContentPartPr/>
+                <p14:nvPr/>
+              </p14:nvContentPartPr>
+              <p14:xfrm>
+                <a:off x="5159797" y="1378190"/>
+                <a:ext cx="360" cy="360"/>
+              </p14:xfrm>
+            </p:contentPart>
+          </mc:Choice>
+          <mc:Fallback xmlns="">
+            <p:pic>
+              <p:nvPicPr>
+                <p:cNvPr id="34" name="Ink 33">
+                  <a:extLst>
+                    <a:ext uri="{FF2B5EF4-FFF2-40B4-BE49-F238E27FC236}">
+                      <a16:creationId xmlns:a16="http://schemas.microsoft.com/office/drawing/2014/main" id="{23EF0C86-B8EC-4A57-BC6E-613DE89E2480}"/>
+                    </a:ext>
+                  </a:extLst>
+                </p:cNvPr>
+                <p:cNvPicPr/>
+                <p:nvPr/>
+              </p:nvPicPr>
+              <p:blipFill>
+                <a:blip r:embed="rId3"/>
+                <a:stretch>
+                  <a:fillRect/>
+                </a:stretch>
+              </p:blipFill>
+              <p:spPr>
+                <a:xfrm>
+                  <a:off x="5155477" y="1373870"/>
+                  <a:ext cx="9000" cy="9000"/>
+                </a:xfrm>
+                <a:prstGeom prst="rect">
+                  <a:avLst/>
+                </a:prstGeom>
+              </p:spPr>
+            </p:pic>
+          </mc:Fallback>
+        </mc:AlternateContent>
+        <mc:AlternateContent xmlns:mc="http://schemas.openxmlformats.org/markup-compatibility/2006" xmlns:p14="http://schemas.microsoft.com/office/powerpoint/2010/main">
+          <mc:Choice Requires="p14">
+            <p:contentPart p14:bwMode="auto" r:id="rId31">
+              <p14:nvContentPartPr>
+                <p14:cNvPr id="35" name="Ink 34">
+                  <a:extLst>
+                    <a:ext uri="{FF2B5EF4-FFF2-40B4-BE49-F238E27FC236}">
+                      <a16:creationId xmlns:a16="http://schemas.microsoft.com/office/drawing/2014/main" id="{DB88E5BD-7025-4789-B8C0-5B01B785CD8E}"/>
+                    </a:ext>
+                  </a:extLst>
+                </p14:cNvPr>
+                <p14:cNvContentPartPr/>
+                <p14:nvPr/>
+              </p14:nvContentPartPr>
+              <p14:xfrm>
+                <a:off x="5159797" y="1378190"/>
+                <a:ext cx="360" cy="360"/>
+              </p14:xfrm>
+            </p:contentPart>
+          </mc:Choice>
+          <mc:Fallback xmlns="">
+            <p:pic>
+              <p:nvPicPr>
+                <p:cNvPr id="35" name="Ink 34">
+                  <a:extLst>
+                    <a:ext uri="{FF2B5EF4-FFF2-40B4-BE49-F238E27FC236}">
+                      <a16:creationId xmlns:a16="http://schemas.microsoft.com/office/drawing/2014/main" id="{DB88E5BD-7025-4789-B8C0-5B01B785CD8E}"/>
+                    </a:ext>
+                  </a:extLst>
+                </p:cNvPr>
+                <p:cNvPicPr/>
+                <p:nvPr/>
+              </p:nvPicPr>
+              <p:blipFill>
+                <a:blip r:embed="rId3"/>
+                <a:stretch>
+                  <a:fillRect/>
+                </a:stretch>
+              </p:blipFill>
+              <p:spPr>
+                <a:xfrm>
+                  <a:off x="5155477" y="1373870"/>
+                  <a:ext cx="9000" cy="9000"/>
+                </a:xfrm>
+                <a:prstGeom prst="rect">
+                  <a:avLst/>
+                </a:prstGeom>
+              </p:spPr>
+            </p:pic>
+          </mc:Fallback>
+        </mc:AlternateContent>
+        <mc:AlternateContent xmlns:mc="http://schemas.openxmlformats.org/markup-compatibility/2006" xmlns:p14="http://schemas.microsoft.com/office/powerpoint/2010/main">
+          <mc:Choice Requires="p14">
+            <p:contentPart p14:bwMode="auto" r:id="rId32">
+              <p14:nvContentPartPr>
+                <p14:cNvPr id="38" name="Ink 37">
+                  <a:extLst>
+                    <a:ext uri="{FF2B5EF4-FFF2-40B4-BE49-F238E27FC236}">
+                      <a16:creationId xmlns:a16="http://schemas.microsoft.com/office/drawing/2014/main" id="{20990B2E-6865-4F58-8D93-A5ED7475130B}"/>
+                    </a:ext>
+                  </a:extLst>
+                </p14:cNvPr>
+                <p14:cNvContentPartPr/>
+                <p14:nvPr/>
+              </p14:nvContentPartPr>
+              <p14:xfrm>
+                <a:off x="5159797" y="1378190"/>
+                <a:ext cx="360" cy="360"/>
+              </p14:xfrm>
+            </p:contentPart>
+          </mc:Choice>
+          <mc:Fallback xmlns="">
+            <p:pic>
+              <p:nvPicPr>
+                <p:cNvPr id="38" name="Ink 37">
+                  <a:extLst>
+                    <a:ext uri="{FF2B5EF4-FFF2-40B4-BE49-F238E27FC236}">
+                      <a16:creationId xmlns:a16="http://schemas.microsoft.com/office/drawing/2014/main" id="{20990B2E-6865-4F58-8D93-A5ED7475130B}"/>
+                    </a:ext>
+                  </a:extLst>
+                </p:cNvPr>
+                <p:cNvPicPr/>
+                <p:nvPr/>
+              </p:nvPicPr>
+              <p:blipFill>
+                <a:blip r:embed="rId3"/>
+                <a:stretch>
+                  <a:fillRect/>
+                </a:stretch>
+              </p:blipFill>
+              <p:spPr>
+                <a:xfrm>
+                  <a:off x="5155477" y="1373870"/>
+                  <a:ext cx="9000" cy="9000"/>
+                </a:xfrm>
+                <a:prstGeom prst="rect">
+                  <a:avLst/>
+                </a:prstGeom>
+              </p:spPr>
+            </p:pic>
+          </mc:Fallback>
+        </mc:AlternateContent>
+        <mc:AlternateContent xmlns:mc="http://schemas.openxmlformats.org/markup-compatibility/2006" xmlns:p14="http://schemas.microsoft.com/office/powerpoint/2010/main">
+          <mc:Choice Requires="p14">
+            <p:contentPart p14:bwMode="auto" r:id="rId33">
+              <p14:nvContentPartPr>
+                <p14:cNvPr id="39" name="Ink 38">
+                  <a:extLst>
+                    <a:ext uri="{FF2B5EF4-FFF2-40B4-BE49-F238E27FC236}">
+                      <a16:creationId xmlns:a16="http://schemas.microsoft.com/office/drawing/2014/main" id="{095A2C10-0C50-40CF-AC51-C8FF0B23C8F1}"/>
+                    </a:ext>
+                  </a:extLst>
+                </p14:cNvPr>
+                <p14:cNvContentPartPr/>
+                <p14:nvPr/>
+              </p14:nvContentPartPr>
+              <p14:xfrm>
+                <a:off x="5159797" y="1378190"/>
+                <a:ext cx="360" cy="360"/>
+              </p14:xfrm>
+            </p:contentPart>
+          </mc:Choice>
+          <mc:Fallback xmlns="">
+            <p:pic>
+              <p:nvPicPr>
+                <p:cNvPr id="39" name="Ink 38">
+                  <a:extLst>
+                    <a:ext uri="{FF2B5EF4-FFF2-40B4-BE49-F238E27FC236}">
+                      <a16:creationId xmlns:a16="http://schemas.microsoft.com/office/drawing/2014/main" id="{095A2C10-0C50-40CF-AC51-C8FF0B23C8F1}"/>
+                    </a:ext>
+                  </a:extLst>
+                </p:cNvPr>
+                <p:cNvPicPr/>
+                <p:nvPr/>
+              </p:nvPicPr>
+              <p:blipFill>
+                <a:blip r:embed="rId3"/>
+                <a:stretch>
+                  <a:fillRect/>
+                </a:stretch>
+              </p:blipFill>
+              <p:spPr>
+                <a:xfrm>
+                  <a:off x="5155477" y="1373870"/>
+                  <a:ext cx="9000" cy="9000"/>
+                </a:xfrm>
+                <a:prstGeom prst="rect">
+                  <a:avLst/>
+                </a:prstGeom>
+              </p:spPr>
+            </p:pic>
+          </mc:Fallback>
+        </mc:AlternateContent>
+      </p:grpSp>
+      <p:pic>
+        <p:nvPicPr>
+          <p:cNvPr id="41" name="Picture 40">
+            <a:extLst>
+              <a:ext uri="{FF2B5EF4-FFF2-40B4-BE49-F238E27FC236}">
+                <a16:creationId xmlns:a16="http://schemas.microsoft.com/office/drawing/2014/main" id="{86670666-14EA-4CDF-8D9B-F25B2B994779}"/>
+              </a:ext>
+            </a:extLst>
+          </p:cNvPr>
+          <p:cNvPicPr>
+            <a:picLocks noChangeAspect="1"/>
+          </p:cNvPicPr>
+          <p:nvPr/>
+        </p:nvPicPr>
+        <p:blipFill>
+          <a:blip r:embed="rId34" cstate="print">
+            <a:extLst>
+              <a:ext uri="{28A0092B-C50C-407E-A947-70E740481C1C}">
+                <a14:useLocalDpi xmlns:a14="http://schemas.microsoft.com/office/drawing/2010/main" val="0"/>
+              </a:ext>
+            </a:extLst>
+          </a:blip>
+          <a:stretch>
+            <a:fillRect/>
+          </a:stretch>
+        </p:blipFill>
+        <p:spPr>
+          <a:xfrm>
+            <a:off x="6710682" y="2255870"/>
+            <a:ext cx="4923191" cy="3340809"/>
+          </a:xfrm>
+          <a:prstGeom prst="rect">
+            <a:avLst/>
+          </a:prstGeom>
+        </p:spPr>
+      </p:pic>
+    </p:spTree>
+    <p:extLst>
+      <p:ext uri="{BB962C8B-B14F-4D97-AF65-F5344CB8AC3E}">
+        <p14:creationId xmlns:p14="http://schemas.microsoft.com/office/powerpoint/2010/main" val="3212513464"/>
+      </p:ext>
+    </p:extLst>
+  </p:cSld>
+  <p:clrMapOvr>
+    <a:masterClrMapping/>
+  </p:clrMapOvr>
+</p:sld>
+</file>
+
+<file path=ppt/slides/slide3.xml><?xml version="1.0" encoding="utf-8"?>
 <p:sld xmlns:a="http://schemas.openxmlformats.org/drawingml/2006/main" xmlns:r="http://schemas.openxmlformats.org/officeDocument/2006/relationships" xmlns:p="http://schemas.openxmlformats.org/presentationml/2006/main">
   <p:cSld>
     <p:spTree>
@@ -5791,89 +8559,6 @@
 </p:sld>
 </file>
 
-<file path=ppt/slides/slide3.xml><?xml version="1.0" encoding="utf-8"?>
-<p:sld xmlns:a="http://schemas.openxmlformats.org/drawingml/2006/main" xmlns:r="http://schemas.openxmlformats.org/officeDocument/2006/relationships" xmlns:p="http://schemas.openxmlformats.org/presentationml/2006/main">
-  <p:cSld>
-    <p:spTree>
-      <p:nvGrpSpPr>
-        <p:cNvPr id="1" name=""/>
-        <p:cNvGrpSpPr/>
-        <p:nvPr/>
-      </p:nvGrpSpPr>
-      <p:grpSpPr>
-        <a:xfrm>
-          <a:off x="0" y="0"/>
-          <a:ext cx="0" cy="0"/>
-          <a:chOff x="0" y="0"/>
-          <a:chExt cx="0" cy="0"/>
-        </a:xfrm>
-      </p:grpSpPr>
-      <p:sp>
-        <p:nvSpPr>
-          <p:cNvPr id="2" name="Title 1">
-            <a:extLst>
-              <a:ext uri="{FF2B5EF4-FFF2-40B4-BE49-F238E27FC236}">
-                <a16:creationId xmlns:a16="http://schemas.microsoft.com/office/drawing/2014/main" id="{E278DC42-4966-5A20-922C-B2E22A6112EF}"/>
-              </a:ext>
-            </a:extLst>
-          </p:cNvPr>
-          <p:cNvSpPr>
-            <a:spLocks noGrp="1"/>
-          </p:cNvSpPr>
-          <p:nvPr>
-            <p:ph type="title"/>
-          </p:nvPr>
-        </p:nvSpPr>
-        <p:spPr/>
-        <p:txBody>
-          <a:bodyPr/>
-          <a:lstStyle/>
-          <a:p>
-            <a:r>
-              <a:rPr lang="en-US" dirty="0"/>
-              <a:t>Dillon</a:t>
-            </a:r>
-          </a:p>
-        </p:txBody>
-      </p:sp>
-      <p:sp>
-        <p:nvSpPr>
-          <p:cNvPr id="3" name="Content Placeholder 2">
-            <a:extLst>
-              <a:ext uri="{FF2B5EF4-FFF2-40B4-BE49-F238E27FC236}">
-                <a16:creationId xmlns:a16="http://schemas.microsoft.com/office/drawing/2014/main" id="{5F1DF18B-D939-CD73-24AF-E65C109F1F98}"/>
-              </a:ext>
-            </a:extLst>
-          </p:cNvPr>
-          <p:cNvSpPr>
-            <a:spLocks noGrp="1"/>
-          </p:cNvSpPr>
-          <p:nvPr>
-            <p:ph idx="1"/>
-          </p:nvPr>
-        </p:nvSpPr>
-        <p:spPr/>
-        <p:txBody>
-          <a:bodyPr/>
-          <a:lstStyle/>
-          <a:p>
-            <a:endParaRPr lang="en-US"/>
-          </a:p>
-        </p:txBody>
-      </p:sp>
-    </p:spTree>
-    <p:extLst>
-      <p:ext uri="{BB962C8B-B14F-4D97-AF65-F5344CB8AC3E}">
-        <p14:creationId xmlns:p14="http://schemas.microsoft.com/office/powerpoint/2010/main" val="452332997"/>
-      </p:ext>
-    </p:extLst>
-  </p:cSld>
-  <p:clrMapOvr>
-    <a:masterClrMapping/>
-  </p:clrMapOvr>
-</p:sld>
-</file>
-
 <file path=ppt/slides/slide4.xml><?xml version="1.0" encoding="utf-8"?>
 <p:sld xmlns:a="http://schemas.openxmlformats.org/drawingml/2006/main" xmlns:r="http://schemas.openxmlformats.org/officeDocument/2006/relationships" xmlns:p="http://schemas.openxmlformats.org/presentationml/2006/main">
   <p:cSld>
@@ -5896,7 +8581,7 @@
           <p:cNvPr id="2" name="Title 1">
             <a:extLst>
               <a:ext uri="{FF2B5EF4-FFF2-40B4-BE49-F238E27FC236}">
-                <a16:creationId xmlns:a16="http://schemas.microsoft.com/office/drawing/2014/main" id="{404DC841-2F22-ED2D-1355-DFE880881A68}"/>
+                <a16:creationId xmlns:a16="http://schemas.microsoft.com/office/drawing/2014/main" id="{E278DC42-4966-5A20-922C-B2E22A6112EF}"/>
               </a:ext>
             </a:extLst>
           </p:cNvPr>
@@ -5913,10 +8598,9 @@
           <a:lstStyle/>
           <a:p>
             <a:r>
-              <a:rPr lang="en-US" dirty="0" err="1"/>
-              <a:t>Nidhay</a:t>
-            </a:r>
-            <a:endParaRPr lang="en-US" dirty="0"/>
+              <a:rPr lang="en-US" dirty="0"/>
+              <a:t>Dillon</a:t>
+            </a:r>
           </a:p>
         </p:txBody>
       </p:sp>
@@ -5925,7 +8609,7 @@
           <p:cNvPr id="3" name="Content Placeholder 2">
             <a:extLst>
               <a:ext uri="{FF2B5EF4-FFF2-40B4-BE49-F238E27FC236}">
-                <a16:creationId xmlns:a16="http://schemas.microsoft.com/office/drawing/2014/main" id="{3FF0298A-DDA2-AA53-9FBC-13CB638DC21A}"/>
+                <a16:creationId xmlns:a16="http://schemas.microsoft.com/office/drawing/2014/main" id="{5F1DF18B-D939-CD73-24AF-E65C109F1F98}"/>
               </a:ext>
             </a:extLst>
           </p:cNvPr>
@@ -5948,7 +8632,7 @@
     </p:spTree>
     <p:extLst>
       <p:ext uri="{BB962C8B-B14F-4D97-AF65-F5344CB8AC3E}">
-        <p14:creationId xmlns:p14="http://schemas.microsoft.com/office/powerpoint/2010/main" val="980526479"/>
+        <p14:creationId xmlns:p14="http://schemas.microsoft.com/office/powerpoint/2010/main" val="452332997"/>
       </p:ext>
     </p:extLst>
   </p:cSld>

--- a/Reports/Conceptual Design_Draft.pptx
+++ b/Reports/Conceptual Design_Draft.pptx
@@ -6,13 +6,14 @@
   </p:sldMasterIdLst>
   <p:sldIdLst>
     <p:sldId id="256" r:id="rId2"/>
-    <p:sldId id="264" r:id="rId3"/>
-    <p:sldId id="263" r:id="rId4"/>
+    <p:sldId id="263" r:id="rId3"/>
+    <p:sldId id="264" r:id="rId4"/>
     <p:sldId id="257" r:id="rId5"/>
-    <p:sldId id="259" r:id="rId6"/>
-    <p:sldId id="260" r:id="rId7"/>
-    <p:sldId id="261" r:id="rId8"/>
-    <p:sldId id="262" r:id="rId9"/>
+    <p:sldId id="265" r:id="rId6"/>
+    <p:sldId id="259" r:id="rId7"/>
+    <p:sldId id="260" r:id="rId8"/>
+    <p:sldId id="261" r:id="rId9"/>
+    <p:sldId id="262" r:id="rId10"/>
   </p:sldIdLst>
   <p:sldSz cx="12192000" cy="6858000"/>
   <p:notesSz cx="6858000" cy="9144000"/>
@@ -6608,6 +6609,72 @@
 </file>
 
 <file path=ppt/slides/slide2.xml><?xml version="1.0" encoding="utf-8"?>
+<p:sld xmlns:a="http://schemas.openxmlformats.org/drawingml/2006/main" xmlns:r="http://schemas.openxmlformats.org/officeDocument/2006/relationships" xmlns:p="http://schemas.openxmlformats.org/presentationml/2006/main">
+  <p:cSld>
+    <p:spTree>
+      <p:nvGrpSpPr>
+        <p:cNvPr id="1" name=""/>
+        <p:cNvGrpSpPr/>
+        <p:nvPr/>
+      </p:nvGrpSpPr>
+      <p:grpSpPr>
+        <a:xfrm>
+          <a:off x="0" y="0"/>
+          <a:ext cx="0" cy="0"/>
+          <a:chOff x="0" y="0"/>
+          <a:chExt cx="0" cy="0"/>
+        </a:xfrm>
+      </p:grpSpPr>
+      <p:pic>
+        <p:nvPicPr>
+          <p:cNvPr id="5" name="Picture 4">
+            <a:extLst>
+              <a:ext uri="{FF2B5EF4-FFF2-40B4-BE49-F238E27FC236}">
+                <a16:creationId xmlns:a16="http://schemas.microsoft.com/office/drawing/2014/main" id="{913FA331-D20A-254B-56EC-7E46364920E5}"/>
+              </a:ext>
+            </a:extLst>
+          </p:cNvPr>
+          <p:cNvPicPr>
+            <a:picLocks noChangeAspect="1"/>
+          </p:cNvPicPr>
+          <p:nvPr/>
+        </p:nvPicPr>
+        <p:blipFill>
+          <a:blip r:embed="rId2">
+            <a:extLst>
+              <a:ext uri="{28A0092B-C50C-407E-A947-70E740481C1C}">
+                <a14:useLocalDpi xmlns:a14="http://schemas.microsoft.com/office/drawing/2010/main" val="0"/>
+              </a:ext>
+            </a:extLst>
+          </a:blip>
+          <a:stretch>
+            <a:fillRect/>
+          </a:stretch>
+        </p:blipFill>
+        <p:spPr>
+          <a:xfrm>
+            <a:off x="281567" y="429491"/>
+            <a:ext cx="11593057" cy="5980545"/>
+          </a:xfrm>
+          <a:prstGeom prst="rect">
+            <a:avLst/>
+          </a:prstGeom>
+        </p:spPr>
+      </p:pic>
+    </p:spTree>
+    <p:extLst>
+      <p:ext uri="{BB962C8B-B14F-4D97-AF65-F5344CB8AC3E}">
+        <p14:creationId xmlns:p14="http://schemas.microsoft.com/office/powerpoint/2010/main" val="1852615108"/>
+      </p:ext>
+    </p:extLst>
+  </p:cSld>
+  <p:clrMapOvr>
+    <a:masterClrMapping/>
+  </p:clrMapOvr>
+</p:sld>
+</file>
+
+<file path=ppt/slides/slide3.xml><?xml version="1.0" encoding="utf-8"?>
 <p:sld xmlns:a="http://schemas.openxmlformats.org/drawingml/2006/main" xmlns:r="http://schemas.openxmlformats.org/officeDocument/2006/relationships" xmlns:p="http://schemas.openxmlformats.org/presentationml/2006/main">
   <p:cSld>
     <p:spTree>
@@ -8493,72 +8560,6 @@
 </p:sld>
 </file>
 
-<file path=ppt/slides/slide3.xml><?xml version="1.0" encoding="utf-8"?>
-<p:sld xmlns:a="http://schemas.openxmlformats.org/drawingml/2006/main" xmlns:r="http://schemas.openxmlformats.org/officeDocument/2006/relationships" xmlns:p="http://schemas.openxmlformats.org/presentationml/2006/main">
-  <p:cSld>
-    <p:spTree>
-      <p:nvGrpSpPr>
-        <p:cNvPr id="1" name=""/>
-        <p:cNvGrpSpPr/>
-        <p:nvPr/>
-      </p:nvGrpSpPr>
-      <p:grpSpPr>
-        <a:xfrm>
-          <a:off x="0" y="0"/>
-          <a:ext cx="0" cy="0"/>
-          <a:chOff x="0" y="0"/>
-          <a:chExt cx="0" cy="0"/>
-        </a:xfrm>
-      </p:grpSpPr>
-      <p:pic>
-        <p:nvPicPr>
-          <p:cNvPr id="5" name="Picture 4">
-            <a:extLst>
-              <a:ext uri="{FF2B5EF4-FFF2-40B4-BE49-F238E27FC236}">
-                <a16:creationId xmlns:a16="http://schemas.microsoft.com/office/drawing/2014/main" id="{913FA331-D20A-254B-56EC-7E46364920E5}"/>
-              </a:ext>
-            </a:extLst>
-          </p:cNvPr>
-          <p:cNvPicPr>
-            <a:picLocks noChangeAspect="1"/>
-          </p:cNvPicPr>
-          <p:nvPr/>
-        </p:nvPicPr>
-        <p:blipFill>
-          <a:blip r:embed="rId2">
-            <a:extLst>
-              <a:ext uri="{28A0092B-C50C-407E-A947-70E740481C1C}">
-                <a14:useLocalDpi xmlns:a14="http://schemas.microsoft.com/office/drawing/2010/main" val="0"/>
-              </a:ext>
-            </a:extLst>
-          </a:blip>
-          <a:stretch>
-            <a:fillRect/>
-          </a:stretch>
-        </p:blipFill>
-        <p:spPr>
-          <a:xfrm>
-            <a:off x="281567" y="429491"/>
-            <a:ext cx="11593057" cy="5980545"/>
-          </a:xfrm>
-          <a:prstGeom prst="rect">
-            <a:avLst/>
-          </a:prstGeom>
-        </p:spPr>
-      </p:pic>
-    </p:spTree>
-    <p:extLst>
-      <p:ext uri="{BB962C8B-B14F-4D97-AF65-F5344CB8AC3E}">
-        <p14:creationId xmlns:p14="http://schemas.microsoft.com/office/powerpoint/2010/main" val="1852615108"/>
-      </p:ext>
-    </p:extLst>
-  </p:cSld>
-  <p:clrMapOvr>
-    <a:masterClrMapping/>
-  </p:clrMapOvr>
-</p:sld>
-</file>
-
 <file path=ppt/slides/slide4.xml><?xml version="1.0" encoding="utf-8"?>
 <p:sld xmlns:a="http://schemas.openxmlformats.org/drawingml/2006/main" xmlns:r="http://schemas.openxmlformats.org/officeDocument/2006/relationships" xmlns:p="http://schemas.openxmlformats.org/presentationml/2006/main">
   <p:cSld>
@@ -8599,7 +8600,7 @@
           <a:p>
             <a:r>
               <a:rPr lang="en-US" dirty="0"/>
-              <a:t>Dillon</a:t>
+              <a:t>Pi connections</a:t>
             </a:r>
           </a:p>
         </p:txBody>
@@ -8625,7 +8626,56 @@
           <a:bodyPr/>
           <a:lstStyle/>
           <a:p>
-            <a:endParaRPr lang="en-US"/>
+            <a:r>
+              <a:rPr lang="en-US" dirty="0"/>
+              <a:t>Raspberry Pi</a:t>
+            </a:r>
+          </a:p>
+          <a:p>
+            <a:pPr marL="457200" indent="-457200">
+              <a:buFont typeface="+mj-lt"/>
+              <a:buAutoNum type="arabicParenR"/>
+            </a:pPr>
+            <a:r>
+              <a:rPr lang="en-US" dirty="0"/>
+              <a:t>SQL Database</a:t>
+            </a:r>
+          </a:p>
+          <a:p>
+            <a:pPr marL="457200" indent="-457200">
+              <a:buFont typeface="+mj-lt"/>
+              <a:buAutoNum type="arabicParenR"/>
+            </a:pPr>
+            <a:r>
+              <a:rPr lang="en-US" dirty="0"/>
+              <a:t>Touchscreen</a:t>
+            </a:r>
+          </a:p>
+          <a:p>
+            <a:pPr marL="457200" indent="-457200">
+              <a:buFont typeface="+mj-lt"/>
+              <a:buAutoNum type="arabicParenR"/>
+            </a:pPr>
+            <a:r>
+              <a:rPr lang="en-US" dirty="0"/>
+              <a:t>Eagle Card Reader</a:t>
+            </a:r>
+          </a:p>
+          <a:p>
+            <a:pPr marL="457200" indent="-457200">
+              <a:buFont typeface="+mj-lt"/>
+              <a:buAutoNum type="arabicParenR"/>
+            </a:pPr>
+            <a:r>
+              <a:rPr lang="en-US" dirty="0"/>
+              <a:t>Ethernet</a:t>
+            </a:r>
+          </a:p>
+          <a:p>
+            <a:pPr marL="0" indent="0">
+              <a:buNone/>
+            </a:pPr>
+            <a:endParaRPr lang="en-US" dirty="0"/>
           </a:p>
         </p:txBody>
       </p:sp>
@@ -8664,7 +8714,7 @@
           <p:cNvPr id="2" name="Title 1">
             <a:extLst>
               <a:ext uri="{FF2B5EF4-FFF2-40B4-BE49-F238E27FC236}">
-                <a16:creationId xmlns:a16="http://schemas.microsoft.com/office/drawing/2014/main" id="{09A56441-8D47-001E-8FCA-4D6C7681F09B}"/>
+                <a16:creationId xmlns:a16="http://schemas.microsoft.com/office/drawing/2014/main" id="{A508911C-3D40-C4E9-E6E3-5B1075C30B77}"/>
               </a:ext>
             </a:extLst>
           </p:cNvPr>
@@ -8682,7 +8732,7 @@
           <a:p>
             <a:r>
               <a:rPr lang="en-US" dirty="0"/>
-              <a:t>Ryan</a:t>
+              <a:t>SQL Database</a:t>
             </a:r>
           </a:p>
         </p:txBody>
@@ -8692,7 +8742,7 @@
           <p:cNvPr id="3" name="Content Placeholder 2">
             <a:extLst>
               <a:ext uri="{FF2B5EF4-FFF2-40B4-BE49-F238E27FC236}">
-                <a16:creationId xmlns:a16="http://schemas.microsoft.com/office/drawing/2014/main" id="{D6B92841-EBA4-9243-FE23-FA0067B95899}"/>
+                <a16:creationId xmlns:a16="http://schemas.microsoft.com/office/drawing/2014/main" id="{3B4A8072-C0C1-5B5E-8907-92B9AFA2DBF9}"/>
               </a:ext>
             </a:extLst>
           </p:cNvPr>
@@ -8703,19 +8753,126 @@
             <p:ph idx="1"/>
           </p:nvPr>
         </p:nvSpPr>
-        <p:spPr/>
-        <p:txBody>
-          <a:bodyPr/>
+        <p:spPr>
+          <a:xfrm>
+            <a:off x="913795" y="2096064"/>
+            <a:ext cx="10353762" cy="3999936"/>
+          </a:xfrm>
+        </p:spPr>
+        <p:txBody>
+          <a:bodyPr>
+            <a:normAutofit fontScale="92500" lnSpcReduction="10000"/>
+          </a:bodyPr>
           <a:lstStyle/>
           <a:p>
-            <a:endParaRPr lang="en-US"/>
-          </a:p>
-        </p:txBody>
-      </p:sp>
+            <a:r>
+              <a:rPr lang="en-US" dirty="0"/>
+              <a:t>Inventory 			</a:t>
+            </a:r>
+          </a:p>
+          <a:p>
+            <a:pPr lvl="1"/>
+            <a:r>
+              <a:rPr lang="en-US" dirty="0"/>
+              <a:t>Loaded</a:t>
+            </a:r>
+          </a:p>
+          <a:p>
+            <a:pPr lvl="1"/>
+            <a:r>
+              <a:rPr lang="en-US" dirty="0"/>
+              <a:t>Unloaded</a:t>
+            </a:r>
+          </a:p>
+          <a:p>
+            <a:r>
+              <a:rPr lang="en-US" dirty="0"/>
+              <a:t>Student Information</a:t>
+            </a:r>
+          </a:p>
+          <a:p>
+            <a:pPr lvl="1"/>
+            <a:r>
+              <a:rPr lang="en-US" dirty="0"/>
+              <a:t>T#</a:t>
+            </a:r>
+          </a:p>
+          <a:p>
+            <a:pPr lvl="1"/>
+            <a:r>
+              <a:rPr lang="en-US" dirty="0"/>
+              <a:t>Name</a:t>
+            </a:r>
+          </a:p>
+          <a:p>
+            <a:pPr lvl="1"/>
+            <a:r>
+              <a:rPr lang="en-US" dirty="0"/>
+              <a:t>Email</a:t>
+            </a:r>
+          </a:p>
+          <a:p>
+            <a:pPr lvl="1"/>
+            <a:r>
+              <a:rPr lang="en-US" dirty="0"/>
+              <a:t>Course &amp; Board#</a:t>
+            </a:r>
+          </a:p>
+          <a:p>
+            <a:r>
+              <a:rPr lang="en-US" dirty="0"/>
+              <a:t>Ethernet</a:t>
+            </a:r>
+          </a:p>
+          <a:p>
+            <a:pPr lvl="1"/>
+            <a:r>
+              <a:rPr lang="en-US" dirty="0"/>
+              <a:t>CSV File</a:t>
+            </a:r>
+          </a:p>
+          <a:p>
+            <a:pPr marL="0" indent="0">
+              <a:buNone/>
+            </a:pPr>
+            <a:endParaRPr lang="en-US" dirty="0"/>
+          </a:p>
+        </p:txBody>
+      </p:sp>
+      <p:pic>
+        <p:nvPicPr>
+          <p:cNvPr id="5" name="Picture 4">
+            <a:extLst>
+              <a:ext uri="{FF2B5EF4-FFF2-40B4-BE49-F238E27FC236}">
+                <a16:creationId xmlns:a16="http://schemas.microsoft.com/office/drawing/2014/main" id="{1EC88D43-0F1E-ED16-1DFB-244B6481011D}"/>
+              </a:ext>
+            </a:extLst>
+          </p:cNvPr>
+          <p:cNvPicPr>
+            <a:picLocks noChangeAspect="1"/>
+          </p:cNvPicPr>
+          <p:nvPr/>
+        </p:nvPicPr>
+        <p:blipFill>
+          <a:blip r:embed="rId2"/>
+          <a:stretch>
+            <a:fillRect/>
+          </a:stretch>
+        </p:blipFill>
+        <p:spPr>
+          <a:xfrm>
+            <a:off x="3993715" y="2313836"/>
+            <a:ext cx="7106266" cy="3046580"/>
+          </a:xfrm>
+          <a:prstGeom prst="rect">
+            <a:avLst/>
+          </a:prstGeom>
+        </p:spPr>
+      </p:pic>
     </p:spTree>
     <p:extLst>
       <p:ext uri="{BB962C8B-B14F-4D97-AF65-F5344CB8AC3E}">
-        <p14:creationId xmlns:p14="http://schemas.microsoft.com/office/powerpoint/2010/main" val="1314227407"/>
+        <p14:creationId xmlns:p14="http://schemas.microsoft.com/office/powerpoint/2010/main" val="506485032"/>
       </p:ext>
     </p:extLst>
   </p:cSld>
@@ -8747,7 +8904,7 @@
           <p:cNvPr id="2" name="Title 1">
             <a:extLst>
               <a:ext uri="{FF2B5EF4-FFF2-40B4-BE49-F238E27FC236}">
-                <a16:creationId xmlns:a16="http://schemas.microsoft.com/office/drawing/2014/main" id="{91D0B8B2-FF69-9E0D-0824-883F8E0683DD}"/>
+                <a16:creationId xmlns:a16="http://schemas.microsoft.com/office/drawing/2014/main" id="{09A56441-8D47-001E-8FCA-4D6C7681F09B}"/>
               </a:ext>
             </a:extLst>
           </p:cNvPr>
@@ -8765,7 +8922,7 @@
           <a:p>
             <a:r>
               <a:rPr lang="en-US" dirty="0"/>
-              <a:t>Mick</a:t>
+              <a:t>Ryan</a:t>
             </a:r>
           </a:p>
         </p:txBody>
@@ -8775,7 +8932,7 @@
           <p:cNvPr id="3" name="Content Placeholder 2">
             <a:extLst>
               <a:ext uri="{FF2B5EF4-FFF2-40B4-BE49-F238E27FC236}">
-                <a16:creationId xmlns:a16="http://schemas.microsoft.com/office/drawing/2014/main" id="{6CE062EA-3BEE-7322-F72B-CB756CC13F0F}"/>
+                <a16:creationId xmlns:a16="http://schemas.microsoft.com/office/drawing/2014/main" id="{D6B92841-EBA4-9243-FE23-FA0067B95899}"/>
               </a:ext>
             </a:extLst>
           </p:cNvPr>
@@ -8798,7 +8955,7 @@
     </p:spTree>
     <p:extLst>
       <p:ext uri="{BB962C8B-B14F-4D97-AF65-F5344CB8AC3E}">
-        <p14:creationId xmlns:p14="http://schemas.microsoft.com/office/powerpoint/2010/main" val="654445820"/>
+        <p14:creationId xmlns:p14="http://schemas.microsoft.com/office/powerpoint/2010/main" val="1314227407"/>
       </p:ext>
     </p:extLst>
   </p:cSld>
@@ -8830,6 +8987,89 @@
           <p:cNvPr id="2" name="Title 1">
             <a:extLst>
               <a:ext uri="{FF2B5EF4-FFF2-40B4-BE49-F238E27FC236}">
+                <a16:creationId xmlns:a16="http://schemas.microsoft.com/office/drawing/2014/main" id="{91D0B8B2-FF69-9E0D-0824-883F8E0683DD}"/>
+              </a:ext>
+            </a:extLst>
+          </p:cNvPr>
+          <p:cNvSpPr>
+            <a:spLocks noGrp="1"/>
+          </p:cNvSpPr>
+          <p:nvPr>
+            <p:ph type="title"/>
+          </p:nvPr>
+        </p:nvSpPr>
+        <p:spPr/>
+        <p:txBody>
+          <a:bodyPr/>
+          <a:lstStyle/>
+          <a:p>
+            <a:r>
+              <a:rPr lang="en-US" dirty="0"/>
+              <a:t>Mick</a:t>
+            </a:r>
+          </a:p>
+        </p:txBody>
+      </p:sp>
+      <p:sp>
+        <p:nvSpPr>
+          <p:cNvPr id="3" name="Content Placeholder 2">
+            <a:extLst>
+              <a:ext uri="{FF2B5EF4-FFF2-40B4-BE49-F238E27FC236}">
+                <a16:creationId xmlns:a16="http://schemas.microsoft.com/office/drawing/2014/main" id="{6CE062EA-3BEE-7322-F72B-CB756CC13F0F}"/>
+              </a:ext>
+            </a:extLst>
+          </p:cNvPr>
+          <p:cNvSpPr>
+            <a:spLocks noGrp="1"/>
+          </p:cNvSpPr>
+          <p:nvPr>
+            <p:ph idx="1"/>
+          </p:nvPr>
+        </p:nvSpPr>
+        <p:spPr/>
+        <p:txBody>
+          <a:bodyPr/>
+          <a:lstStyle/>
+          <a:p>
+            <a:endParaRPr lang="en-US"/>
+          </a:p>
+        </p:txBody>
+      </p:sp>
+    </p:spTree>
+    <p:extLst>
+      <p:ext uri="{BB962C8B-B14F-4D97-AF65-F5344CB8AC3E}">
+        <p14:creationId xmlns:p14="http://schemas.microsoft.com/office/powerpoint/2010/main" val="654445820"/>
+      </p:ext>
+    </p:extLst>
+  </p:cSld>
+  <p:clrMapOvr>
+    <a:masterClrMapping/>
+  </p:clrMapOvr>
+</p:sld>
+</file>
+
+<file path=ppt/slides/slide8.xml><?xml version="1.0" encoding="utf-8"?>
+<p:sld xmlns:a="http://schemas.openxmlformats.org/drawingml/2006/main" xmlns:r="http://schemas.openxmlformats.org/officeDocument/2006/relationships" xmlns:p="http://schemas.openxmlformats.org/presentationml/2006/main">
+  <p:cSld>
+    <p:spTree>
+      <p:nvGrpSpPr>
+        <p:cNvPr id="1" name=""/>
+        <p:cNvGrpSpPr/>
+        <p:nvPr/>
+      </p:nvGrpSpPr>
+      <p:grpSpPr>
+        <a:xfrm>
+          <a:off x="0" y="0"/>
+          <a:ext cx="0" cy="0"/>
+          <a:chOff x="0" y="0"/>
+          <a:chExt cx="0" cy="0"/>
+        </a:xfrm>
+      </p:grpSpPr>
+      <p:sp>
+        <p:nvSpPr>
+          <p:cNvPr id="2" name="Title 1">
+            <a:extLst>
+              <a:ext uri="{FF2B5EF4-FFF2-40B4-BE49-F238E27FC236}">
                 <a16:creationId xmlns:a16="http://schemas.microsoft.com/office/drawing/2014/main" id="{6427ACC6-F9BA-36B4-A292-62EA94E454FA}"/>
               </a:ext>
             </a:extLst>
@@ -8892,7 +9132,7 @@
 </p:sld>
 </file>
 
-<file path=ppt/slides/slide8.xml><?xml version="1.0" encoding="utf-8"?>
+<file path=ppt/slides/slide9.xml><?xml version="1.0" encoding="utf-8"?>
 <p:sld xmlns:a="http://schemas.openxmlformats.org/drawingml/2006/main" xmlns:r="http://schemas.openxmlformats.org/officeDocument/2006/relationships" xmlns:p="http://schemas.openxmlformats.org/presentationml/2006/main">
   <p:cSld>
     <p:spTree>

--- a/Reports/Conceptual Design_Draft.pptx
+++ b/Reports/Conceptual Design_Draft.pptx
@@ -10,10 +10,12 @@
     <p:sldId id="264" r:id="rId4"/>
     <p:sldId id="257" r:id="rId5"/>
     <p:sldId id="265" r:id="rId6"/>
-    <p:sldId id="259" r:id="rId7"/>
-    <p:sldId id="260" r:id="rId8"/>
-    <p:sldId id="261" r:id="rId9"/>
-    <p:sldId id="262" r:id="rId10"/>
+    <p:sldId id="266" r:id="rId7"/>
+    <p:sldId id="268" r:id="rId8"/>
+    <p:sldId id="269" r:id="rId9"/>
+    <p:sldId id="260" r:id="rId10"/>
+    <p:sldId id="261" r:id="rId11"/>
+    <p:sldId id="262" r:id="rId12"/>
   </p:sldIdLst>
   <p:sldSz cx="12192000" cy="6858000"/>
   <p:notesSz cx="6858000" cy="9144000"/>
@@ -6599,6 +6601,170 @@
     <p:extLst>
       <p:ext uri="{BB962C8B-B14F-4D97-AF65-F5344CB8AC3E}">
         <p14:creationId xmlns:p14="http://schemas.microsoft.com/office/powerpoint/2010/main" val="385883628"/>
+      </p:ext>
+    </p:extLst>
+  </p:cSld>
+  <p:clrMapOvr>
+    <a:masterClrMapping/>
+  </p:clrMapOvr>
+</p:sld>
+</file>
+
+<file path=ppt/slides/slide10.xml><?xml version="1.0" encoding="utf-8"?>
+<p:sld xmlns:a="http://schemas.openxmlformats.org/drawingml/2006/main" xmlns:r="http://schemas.openxmlformats.org/officeDocument/2006/relationships" xmlns:p="http://schemas.openxmlformats.org/presentationml/2006/main">
+  <p:cSld>
+    <p:spTree>
+      <p:nvGrpSpPr>
+        <p:cNvPr id="1" name=""/>
+        <p:cNvGrpSpPr/>
+        <p:nvPr/>
+      </p:nvGrpSpPr>
+      <p:grpSpPr>
+        <a:xfrm>
+          <a:off x="0" y="0"/>
+          <a:ext cx="0" cy="0"/>
+          <a:chOff x="0" y="0"/>
+          <a:chExt cx="0" cy="0"/>
+        </a:xfrm>
+      </p:grpSpPr>
+      <p:sp>
+        <p:nvSpPr>
+          <p:cNvPr id="2" name="Title 1">
+            <a:extLst>
+              <a:ext uri="{FF2B5EF4-FFF2-40B4-BE49-F238E27FC236}">
+                <a16:creationId xmlns:a16="http://schemas.microsoft.com/office/drawing/2014/main" id="{6427ACC6-F9BA-36B4-A292-62EA94E454FA}"/>
+              </a:ext>
+            </a:extLst>
+          </p:cNvPr>
+          <p:cNvSpPr>
+            <a:spLocks noGrp="1"/>
+          </p:cNvSpPr>
+          <p:nvPr>
+            <p:ph type="title"/>
+          </p:nvPr>
+        </p:nvSpPr>
+        <p:spPr/>
+        <p:txBody>
+          <a:bodyPr/>
+          <a:lstStyle/>
+          <a:p>
+            <a:r>
+              <a:rPr lang="en-US" dirty="0" err="1"/>
+              <a:t>Sigg</a:t>
+            </a:r>
+            <a:endParaRPr lang="en-US" dirty="0"/>
+          </a:p>
+        </p:txBody>
+      </p:sp>
+      <p:sp>
+        <p:nvSpPr>
+          <p:cNvPr id="3" name="Content Placeholder 2">
+            <a:extLst>
+              <a:ext uri="{FF2B5EF4-FFF2-40B4-BE49-F238E27FC236}">
+                <a16:creationId xmlns:a16="http://schemas.microsoft.com/office/drawing/2014/main" id="{CF42EA5B-2FE8-2982-F65D-0B3DDBEA4EFF}"/>
+              </a:ext>
+            </a:extLst>
+          </p:cNvPr>
+          <p:cNvSpPr>
+            <a:spLocks noGrp="1"/>
+          </p:cNvSpPr>
+          <p:nvPr>
+            <p:ph idx="1"/>
+          </p:nvPr>
+        </p:nvSpPr>
+        <p:spPr/>
+        <p:txBody>
+          <a:bodyPr/>
+          <a:lstStyle/>
+          <a:p>
+            <a:endParaRPr lang="en-US"/>
+          </a:p>
+        </p:txBody>
+      </p:sp>
+    </p:spTree>
+    <p:extLst>
+      <p:ext uri="{BB962C8B-B14F-4D97-AF65-F5344CB8AC3E}">
+        <p14:creationId xmlns:p14="http://schemas.microsoft.com/office/powerpoint/2010/main" val="132446842"/>
+      </p:ext>
+    </p:extLst>
+  </p:cSld>
+  <p:clrMapOvr>
+    <a:masterClrMapping/>
+  </p:clrMapOvr>
+</p:sld>
+</file>
+
+<file path=ppt/slides/slide11.xml><?xml version="1.0" encoding="utf-8"?>
+<p:sld xmlns:a="http://schemas.openxmlformats.org/drawingml/2006/main" xmlns:r="http://schemas.openxmlformats.org/officeDocument/2006/relationships" xmlns:p="http://schemas.openxmlformats.org/presentationml/2006/main">
+  <p:cSld>
+    <p:spTree>
+      <p:nvGrpSpPr>
+        <p:cNvPr id="1" name=""/>
+        <p:cNvGrpSpPr/>
+        <p:nvPr/>
+      </p:nvGrpSpPr>
+      <p:grpSpPr>
+        <a:xfrm>
+          <a:off x="0" y="0"/>
+          <a:ext cx="0" cy="0"/>
+          <a:chOff x="0" y="0"/>
+          <a:chExt cx="0" cy="0"/>
+        </a:xfrm>
+      </p:grpSpPr>
+      <p:sp>
+        <p:nvSpPr>
+          <p:cNvPr id="2" name="Title 1">
+            <a:extLst>
+              <a:ext uri="{FF2B5EF4-FFF2-40B4-BE49-F238E27FC236}">
+                <a16:creationId xmlns:a16="http://schemas.microsoft.com/office/drawing/2014/main" id="{826C8731-E3E7-967F-BB1D-FACE64DCD73C}"/>
+              </a:ext>
+            </a:extLst>
+          </p:cNvPr>
+          <p:cNvSpPr>
+            <a:spLocks noGrp="1"/>
+          </p:cNvSpPr>
+          <p:nvPr>
+            <p:ph type="title"/>
+          </p:nvPr>
+        </p:nvSpPr>
+        <p:spPr/>
+        <p:txBody>
+          <a:bodyPr/>
+          <a:lstStyle/>
+          <a:p>
+            <a:endParaRPr lang="en-US"/>
+          </a:p>
+        </p:txBody>
+      </p:sp>
+      <p:sp>
+        <p:nvSpPr>
+          <p:cNvPr id="3" name="Content Placeholder 2">
+            <a:extLst>
+              <a:ext uri="{FF2B5EF4-FFF2-40B4-BE49-F238E27FC236}">
+                <a16:creationId xmlns:a16="http://schemas.microsoft.com/office/drawing/2014/main" id="{BECC8268-11AD-1CDB-A33C-A7C7769615BB}"/>
+              </a:ext>
+            </a:extLst>
+          </p:cNvPr>
+          <p:cNvSpPr>
+            <a:spLocks noGrp="1"/>
+          </p:cNvSpPr>
+          <p:nvPr>
+            <p:ph idx="1"/>
+          </p:nvPr>
+        </p:nvSpPr>
+        <p:spPr/>
+        <p:txBody>
+          <a:bodyPr/>
+          <a:lstStyle/>
+          <a:p>
+            <a:endParaRPr lang="en-US"/>
+          </a:p>
+        </p:txBody>
+      </p:sp>
+    </p:spTree>
+    <p:extLst>
+      <p:ext uri="{BB962C8B-B14F-4D97-AF65-F5344CB8AC3E}">
+        <p14:creationId xmlns:p14="http://schemas.microsoft.com/office/powerpoint/2010/main" val="3069835955"/>
       </p:ext>
     </p:extLst>
   </p:cSld>
@@ -8922,7 +9088,7 @@
           <a:p>
             <a:r>
               <a:rPr lang="en-US" dirty="0"/>
-              <a:t>Ryan</a:t>
+              <a:t>Hardware connections</a:t>
             </a:r>
           </a:p>
         </p:txBody>
@@ -8943,19 +9109,119 @@
             <p:ph idx="1"/>
           </p:nvPr>
         </p:nvSpPr>
-        <p:spPr/>
+        <p:spPr>
+          <a:xfrm>
+            <a:off x="1961079" y="1935921"/>
+            <a:ext cx="2997568" cy="3695136"/>
+          </a:xfrm>
+        </p:spPr>
         <p:txBody>
           <a:bodyPr/>
           <a:lstStyle/>
           <a:p>
-            <a:endParaRPr lang="en-US"/>
-          </a:p>
-        </p:txBody>
-      </p:sp>
+            <a:r>
+              <a:rPr lang="en-US" dirty="0"/>
+              <a:t>PLC</a:t>
+            </a:r>
+          </a:p>
+          <a:p>
+            <a:r>
+              <a:rPr lang="en-US" dirty="0"/>
+              <a:t>HW Control</a:t>
+            </a:r>
+          </a:p>
+          <a:p>
+            <a:pPr marL="800100" lvl="1" indent="-342900">
+              <a:buFont typeface="+mj-lt"/>
+              <a:buAutoNum type="arabicPeriod"/>
+            </a:pPr>
+            <a:r>
+              <a:rPr lang="en-US" dirty="0"/>
+              <a:t>UI</a:t>
+            </a:r>
+          </a:p>
+          <a:p>
+            <a:pPr marL="800100" lvl="1" indent="-342900">
+              <a:buFont typeface="+mj-lt"/>
+              <a:buAutoNum type="arabicPeriod"/>
+            </a:pPr>
+            <a:r>
+              <a:rPr lang="en-US" dirty="0"/>
+              <a:t>Locks</a:t>
+            </a:r>
+          </a:p>
+          <a:p>
+            <a:pPr marL="800100" lvl="1" indent="-342900">
+              <a:buFont typeface="+mj-lt"/>
+              <a:buAutoNum type="arabicPeriod"/>
+            </a:pPr>
+            <a:r>
+              <a:rPr lang="en-US" dirty="0"/>
+              <a:t>Indication</a:t>
+            </a:r>
+          </a:p>
+          <a:p>
+            <a:pPr marL="800100" lvl="1" indent="-342900">
+              <a:buFont typeface="+mj-lt"/>
+              <a:buAutoNum type="arabicPeriod"/>
+            </a:pPr>
+            <a:r>
+              <a:rPr lang="en-US" dirty="0"/>
+              <a:t>Timer System</a:t>
+            </a:r>
+          </a:p>
+          <a:p>
+            <a:pPr marL="800100" lvl="1" indent="-342900">
+              <a:buFont typeface="+mj-lt"/>
+              <a:buAutoNum type="arabicPeriod"/>
+            </a:pPr>
+            <a:r>
+              <a:rPr lang="en-US" dirty="0"/>
+              <a:t>Sensors (Addressed later)</a:t>
+            </a:r>
+          </a:p>
+        </p:txBody>
+      </p:sp>
+      <p:pic>
+        <p:nvPicPr>
+          <p:cNvPr id="5" name="Picture 4">
+            <a:extLst>
+              <a:ext uri="{FF2B5EF4-FFF2-40B4-BE49-F238E27FC236}">
+                <a16:creationId xmlns:a16="http://schemas.microsoft.com/office/drawing/2014/main" id="{B65F95CD-1E7B-22C8-F411-4BFBA6EEDE47}"/>
+              </a:ext>
+            </a:extLst>
+          </p:cNvPr>
+          <p:cNvPicPr>
+            <a:picLocks noChangeAspect="1"/>
+          </p:cNvPicPr>
+          <p:nvPr/>
+        </p:nvPicPr>
+        <p:blipFill>
+          <a:blip r:embed="rId2">
+            <a:extLst>
+              <a:ext uri="{28A0092B-C50C-407E-A947-70E740481C1C}">
+                <a14:useLocalDpi xmlns:a14="http://schemas.microsoft.com/office/drawing/2010/main" val="0"/>
+              </a:ext>
+            </a:extLst>
+          </a:blip>
+          <a:stretch>
+            <a:fillRect/>
+          </a:stretch>
+        </p:blipFill>
+        <p:spPr>
+          <a:xfrm>
+            <a:off x="5793731" y="1935921"/>
+            <a:ext cx="4638741" cy="4020243"/>
+          </a:xfrm>
+          <a:prstGeom prst="rect">
+            <a:avLst/>
+          </a:prstGeom>
+        </p:spPr>
+      </p:pic>
     </p:spTree>
     <p:extLst>
       <p:ext uri="{BB962C8B-B14F-4D97-AF65-F5344CB8AC3E}">
-        <p14:creationId xmlns:p14="http://schemas.microsoft.com/office/powerpoint/2010/main" val="1314227407"/>
+        <p14:creationId xmlns:p14="http://schemas.microsoft.com/office/powerpoint/2010/main" val="1850829070"/>
       </p:ext>
     </p:extLst>
   </p:cSld>
@@ -8987,7 +9253,7 @@
           <p:cNvPr id="2" name="Title 1">
             <a:extLst>
               <a:ext uri="{FF2B5EF4-FFF2-40B4-BE49-F238E27FC236}">
-                <a16:creationId xmlns:a16="http://schemas.microsoft.com/office/drawing/2014/main" id="{91D0B8B2-FF69-9E0D-0824-883F8E0683DD}"/>
+                <a16:creationId xmlns:a16="http://schemas.microsoft.com/office/drawing/2014/main" id="{ED06DF13-B997-3779-B0C2-02553D679DF6}"/>
               </a:ext>
             </a:extLst>
           </p:cNvPr>
@@ -9005,7 +9271,7 @@
           <a:p>
             <a:r>
               <a:rPr lang="en-US" dirty="0"/>
-              <a:t>Mick</a:t>
+              <a:t>Plc / Control</a:t>
             </a:r>
           </a:p>
         </p:txBody>
@@ -9015,7 +9281,7 @@
           <p:cNvPr id="3" name="Content Placeholder 2">
             <a:extLst>
               <a:ext uri="{FF2B5EF4-FFF2-40B4-BE49-F238E27FC236}">
-                <a16:creationId xmlns:a16="http://schemas.microsoft.com/office/drawing/2014/main" id="{6CE062EA-3BEE-7322-F72B-CB756CC13F0F}"/>
+                <a16:creationId xmlns:a16="http://schemas.microsoft.com/office/drawing/2014/main" id="{B96D4A40-2A41-1B21-3241-5E403C1825FF}"/>
               </a:ext>
             </a:extLst>
           </p:cNvPr>
@@ -9031,14 +9297,51 @@
           <a:bodyPr/>
           <a:lstStyle/>
           <a:p>
-            <a:endParaRPr lang="en-US"/>
+            <a:r>
+              <a:rPr lang="en-US" dirty="0"/>
+              <a:t>PLC</a:t>
+            </a:r>
+          </a:p>
+          <a:p>
+            <a:pPr lvl="1"/>
+            <a:r>
+              <a:rPr lang="en-US" dirty="0"/>
+              <a:t>Powered from wall outlet</a:t>
+            </a:r>
+          </a:p>
+          <a:p>
+            <a:pPr lvl="1"/>
+            <a:r>
+              <a:rPr lang="en-US" dirty="0"/>
+              <a:t>Outputs to Control</a:t>
+            </a:r>
+          </a:p>
+          <a:p>
+            <a:r>
+              <a:rPr lang="en-US" dirty="0"/>
+              <a:t>Control</a:t>
+            </a:r>
+          </a:p>
+          <a:p>
+            <a:pPr lvl="1"/>
+            <a:r>
+              <a:rPr lang="en-US" dirty="0"/>
+              <a:t>Hardware control</a:t>
+            </a:r>
+          </a:p>
+          <a:p>
+            <a:pPr lvl="1"/>
+            <a:r>
+              <a:rPr lang="en-US" dirty="0"/>
+              <a:t>Outputs to Sensors, UI, Locks, Timer System, Indication System</a:t>
+            </a:r>
           </a:p>
         </p:txBody>
       </p:sp>
     </p:spTree>
     <p:extLst>
       <p:ext uri="{BB962C8B-B14F-4D97-AF65-F5344CB8AC3E}">
-        <p14:creationId xmlns:p14="http://schemas.microsoft.com/office/powerpoint/2010/main" val="654445820"/>
+        <p14:creationId xmlns:p14="http://schemas.microsoft.com/office/powerpoint/2010/main" val="276615668"/>
       </p:ext>
     </p:extLst>
   </p:cSld>
@@ -9070,7 +9373,7 @@
           <p:cNvPr id="2" name="Title 1">
             <a:extLst>
               <a:ext uri="{FF2B5EF4-FFF2-40B4-BE49-F238E27FC236}">
-                <a16:creationId xmlns:a16="http://schemas.microsoft.com/office/drawing/2014/main" id="{6427ACC6-F9BA-36B4-A292-62EA94E454FA}"/>
+                <a16:creationId xmlns:a16="http://schemas.microsoft.com/office/drawing/2014/main" id="{0B4399A8-B7F2-09F1-D93B-B48C6ECDE513}"/>
               </a:ext>
             </a:extLst>
           </p:cNvPr>
@@ -9087,10 +9390,9 @@
           <a:lstStyle/>
           <a:p>
             <a:r>
-              <a:rPr lang="en-US" dirty="0" err="1"/>
-              <a:t>Sigg</a:t>
-            </a:r>
-            <a:endParaRPr lang="en-US" dirty="0"/>
+              <a:rPr lang="en-US" dirty="0"/>
+              <a:t>Hardware subsystems</a:t>
+            </a:r>
           </a:p>
         </p:txBody>
       </p:sp>
@@ -9099,7 +9401,7 @@
           <p:cNvPr id="3" name="Content Placeholder 2">
             <a:extLst>
               <a:ext uri="{FF2B5EF4-FFF2-40B4-BE49-F238E27FC236}">
-                <a16:creationId xmlns:a16="http://schemas.microsoft.com/office/drawing/2014/main" id="{CF42EA5B-2FE8-2982-F65D-0B3DDBEA4EFF}"/>
+                <a16:creationId xmlns:a16="http://schemas.microsoft.com/office/drawing/2014/main" id="{B6209692-1DBF-4C1B-A7CD-DFEAF1CA225A}"/>
               </a:ext>
             </a:extLst>
           </p:cNvPr>
@@ -9107,22 +9409,156 @@
             <a:spLocks noGrp="1"/>
           </p:cNvSpPr>
           <p:nvPr>
-            <p:ph idx="1"/>
+            <p:ph sz="half" idx="1"/>
           </p:nvPr>
         </p:nvSpPr>
         <p:spPr/>
         <p:txBody>
-          <a:bodyPr/>
+          <a:bodyPr>
+            <a:normAutofit lnSpcReduction="10000"/>
+          </a:bodyPr>
           <a:lstStyle/>
           <a:p>
-            <a:endParaRPr lang="en-US"/>
+            <a:r>
+              <a:rPr lang="en-US" dirty="0"/>
+              <a:t>UI</a:t>
+            </a:r>
+          </a:p>
+          <a:p>
+            <a:pPr lvl="1"/>
+            <a:r>
+              <a:rPr lang="en-US" dirty="0"/>
+              <a:t>Communicates with Pi and PLC to create display and store info in database</a:t>
+            </a:r>
+          </a:p>
+          <a:p>
+            <a:pPr marL="457200" lvl="1" indent="0">
+              <a:buNone/>
+            </a:pPr>
+            <a:endParaRPr lang="en-US" dirty="0"/>
+          </a:p>
+          <a:p>
+            <a:pPr marL="457200" lvl="1" indent="0">
+              <a:buNone/>
+            </a:pPr>
+            <a:endParaRPr lang="en-US" dirty="0"/>
+          </a:p>
+          <a:p>
+            <a:r>
+              <a:rPr lang="en-US" dirty="0"/>
+              <a:t>Locks</a:t>
+            </a:r>
+          </a:p>
+          <a:p>
+            <a:pPr lvl="1"/>
+            <a:r>
+              <a:rPr lang="en-US" dirty="0"/>
+              <a:t>Most likely solenoid (Proposed by </a:t>
+            </a:r>
+            <a:r>
+              <a:rPr lang="en-US" dirty="0" err="1"/>
+              <a:t>MechE</a:t>
+            </a:r>
+            <a:r>
+              <a:rPr lang="en-US" dirty="0"/>
+              <a:t> team)</a:t>
+            </a:r>
+          </a:p>
+          <a:p>
+            <a:pPr lvl="1"/>
+            <a:r>
+              <a:rPr lang="en-US" dirty="0"/>
+              <a:t>Powered by DC voltage</a:t>
+            </a:r>
+          </a:p>
+          <a:p>
+            <a:pPr lvl="1"/>
+            <a:endParaRPr lang="en-US" dirty="0"/>
+          </a:p>
+        </p:txBody>
+      </p:sp>
+      <p:sp>
+        <p:nvSpPr>
+          <p:cNvPr id="4" name="Content Placeholder 3">
+            <a:extLst>
+              <a:ext uri="{FF2B5EF4-FFF2-40B4-BE49-F238E27FC236}">
+                <a16:creationId xmlns:a16="http://schemas.microsoft.com/office/drawing/2014/main" id="{C77EC574-A4B4-D878-5ABC-E998FB6A392B}"/>
+              </a:ext>
+            </a:extLst>
+          </p:cNvPr>
+          <p:cNvSpPr>
+            <a:spLocks noGrp="1"/>
+          </p:cNvSpPr>
+          <p:nvPr>
+            <p:ph sz="half" idx="2"/>
+          </p:nvPr>
+        </p:nvSpPr>
+        <p:spPr/>
+        <p:txBody>
+          <a:bodyPr>
+            <a:normAutofit lnSpcReduction="10000"/>
+          </a:bodyPr>
+          <a:lstStyle/>
+          <a:p>
+            <a:r>
+              <a:rPr lang="en-US" dirty="0"/>
+              <a:t>Indication System</a:t>
+            </a:r>
+          </a:p>
+          <a:p>
+            <a:pPr lvl="1"/>
+            <a:r>
+              <a:rPr lang="en-US" dirty="0"/>
+              <a:t>Most </a:t>
+            </a:r>
+            <a:r>
+              <a:rPr lang="en-US" dirty="0" err="1"/>
+              <a:t>likey</a:t>
+            </a:r>
+            <a:r>
+              <a:rPr lang="en-US" dirty="0"/>
+              <a:t> LEDs. Will help guide student to correct drawer and compartment</a:t>
+            </a:r>
+          </a:p>
+          <a:p>
+            <a:pPr lvl="1"/>
+            <a:r>
+              <a:rPr lang="en-US" dirty="0"/>
+              <a:t>Controlled by PLC</a:t>
+            </a:r>
+          </a:p>
+          <a:p>
+            <a:pPr marL="457200" lvl="1" indent="0">
+              <a:buNone/>
+            </a:pPr>
+            <a:endParaRPr lang="en-US" dirty="0"/>
+          </a:p>
+          <a:p>
+            <a:r>
+              <a:rPr lang="en-US" dirty="0"/>
+              <a:t>Timer System</a:t>
+            </a:r>
+          </a:p>
+          <a:p>
+            <a:pPr lvl="1"/>
+            <a:r>
+              <a:rPr lang="en-US" dirty="0"/>
+              <a:t>Used to flash LEDs and unlock compartments over a predetermined duration</a:t>
+            </a:r>
+          </a:p>
+          <a:p>
+            <a:pPr lvl="1"/>
+            <a:r>
+              <a:rPr lang="en-US" dirty="0"/>
+              <a:t>Controlled by PLC</a:t>
+            </a:r>
           </a:p>
         </p:txBody>
       </p:sp>
     </p:spTree>
     <p:extLst>
       <p:ext uri="{BB962C8B-B14F-4D97-AF65-F5344CB8AC3E}">
-        <p14:creationId xmlns:p14="http://schemas.microsoft.com/office/powerpoint/2010/main" val="132446842"/>
+        <p14:creationId xmlns:p14="http://schemas.microsoft.com/office/powerpoint/2010/main" val="2058813143"/>
       </p:ext>
     </p:extLst>
   </p:cSld>
@@ -9154,7 +9590,7 @@
           <p:cNvPr id="2" name="Title 1">
             <a:extLst>
               <a:ext uri="{FF2B5EF4-FFF2-40B4-BE49-F238E27FC236}">
-                <a16:creationId xmlns:a16="http://schemas.microsoft.com/office/drawing/2014/main" id="{826C8731-E3E7-967F-BB1D-FACE64DCD73C}"/>
+                <a16:creationId xmlns:a16="http://schemas.microsoft.com/office/drawing/2014/main" id="{91D0B8B2-FF69-9E0D-0824-883F8E0683DD}"/>
               </a:ext>
             </a:extLst>
           </p:cNvPr>
@@ -9170,7 +9606,10 @@
           <a:bodyPr/>
           <a:lstStyle/>
           <a:p>
-            <a:endParaRPr lang="en-US"/>
+            <a:r>
+              <a:rPr lang="en-US" dirty="0"/>
+              <a:t>Mick</a:t>
+            </a:r>
           </a:p>
         </p:txBody>
       </p:sp>
@@ -9179,7 +9618,7 @@
           <p:cNvPr id="3" name="Content Placeholder 2">
             <a:extLst>
               <a:ext uri="{FF2B5EF4-FFF2-40B4-BE49-F238E27FC236}">
-                <a16:creationId xmlns:a16="http://schemas.microsoft.com/office/drawing/2014/main" id="{BECC8268-11AD-1CDB-A33C-A7C7769615BB}"/>
+                <a16:creationId xmlns:a16="http://schemas.microsoft.com/office/drawing/2014/main" id="{6CE062EA-3BEE-7322-F72B-CB756CC13F0F}"/>
               </a:ext>
             </a:extLst>
           </p:cNvPr>
@@ -9202,7 +9641,7 @@
     </p:spTree>
     <p:extLst>
       <p:ext uri="{BB962C8B-B14F-4D97-AF65-F5344CB8AC3E}">
-        <p14:creationId xmlns:p14="http://schemas.microsoft.com/office/powerpoint/2010/main" val="3069835955"/>
+        <p14:creationId xmlns:p14="http://schemas.microsoft.com/office/powerpoint/2010/main" val="654445820"/>
       </p:ext>
     </p:extLst>
   </p:cSld>
